--- a/発表資料/発表資料.pptx
+++ b/発表資料/発表資料.pptx
@@ -114,6 +114,11 @@
       </a:defRPr>
     </a:lvl9pPr>
   </p:defaultTextStyle>
+  <p:extLst>
+    <p:ext uri="{EFAFB233-063F-42B5-8137-9DF3F51BA10A}">
+      <p15:sldGuideLst xmlns:p15="http://schemas.microsoft.com/office/powerpoint/2012/main"/>
+    </p:ext>
+  </p:extLst>
 </p:presentation>
 </file>
 
@@ -264,7 +269,7 @@
           <a:p>
             <a:fld id="{012A1DDC-4AB2-4F4D-8C11-ABF3465A4CEE}" type="datetimeFigureOut">
               <a:rPr kumimoji="1" lang="ja-JP" altLang="en-US" smtClean="0"/>
-              <a:t>2021/5/27</a:t>
+              <a:t>2021/5/28</a:t>
             </a:fld>
             <a:endParaRPr kumimoji="1" lang="ja-JP" altLang="en-US"/>
           </a:p>
@@ -494,7 +499,7 @@
           <a:p>
             <a:fld id="{012A1DDC-4AB2-4F4D-8C11-ABF3465A4CEE}" type="datetimeFigureOut">
               <a:rPr kumimoji="1" lang="ja-JP" altLang="en-US" smtClean="0"/>
-              <a:t>2021/5/27</a:t>
+              <a:t>2021/5/28</a:t>
             </a:fld>
             <a:endParaRPr kumimoji="1" lang="ja-JP" altLang="en-US"/>
           </a:p>
@@ -734,7 +739,7 @@
           <a:p>
             <a:fld id="{012A1DDC-4AB2-4F4D-8C11-ABF3465A4CEE}" type="datetimeFigureOut">
               <a:rPr kumimoji="1" lang="ja-JP" altLang="en-US" smtClean="0"/>
-              <a:t>2021/5/27</a:t>
+              <a:t>2021/5/28</a:t>
             </a:fld>
             <a:endParaRPr kumimoji="1" lang="ja-JP" altLang="en-US"/>
           </a:p>
@@ -964,7 +969,7 @@
           <a:p>
             <a:fld id="{012A1DDC-4AB2-4F4D-8C11-ABF3465A4CEE}" type="datetimeFigureOut">
               <a:rPr kumimoji="1" lang="ja-JP" altLang="en-US" smtClean="0"/>
-              <a:t>2021/5/27</a:t>
+              <a:t>2021/5/28</a:t>
             </a:fld>
             <a:endParaRPr kumimoji="1" lang="ja-JP" altLang="en-US"/>
           </a:p>
@@ -1239,7 +1244,7 @@
           <a:p>
             <a:fld id="{012A1DDC-4AB2-4F4D-8C11-ABF3465A4CEE}" type="datetimeFigureOut">
               <a:rPr kumimoji="1" lang="ja-JP" altLang="en-US" smtClean="0"/>
-              <a:t>2021/5/27</a:t>
+              <a:t>2021/5/28</a:t>
             </a:fld>
             <a:endParaRPr kumimoji="1" lang="ja-JP" altLang="en-US"/>
           </a:p>
@@ -1568,7 +1573,7 @@
           <a:p>
             <a:fld id="{012A1DDC-4AB2-4F4D-8C11-ABF3465A4CEE}" type="datetimeFigureOut">
               <a:rPr kumimoji="1" lang="ja-JP" altLang="en-US" smtClean="0"/>
-              <a:t>2021/5/27</a:t>
+              <a:t>2021/5/28</a:t>
             </a:fld>
             <a:endParaRPr kumimoji="1" lang="ja-JP" altLang="en-US"/>
           </a:p>
@@ -2044,7 +2049,7 @@
           <a:p>
             <a:fld id="{012A1DDC-4AB2-4F4D-8C11-ABF3465A4CEE}" type="datetimeFigureOut">
               <a:rPr kumimoji="1" lang="ja-JP" altLang="en-US" smtClean="0"/>
-              <a:t>2021/5/27</a:t>
+              <a:t>2021/5/28</a:t>
             </a:fld>
             <a:endParaRPr kumimoji="1" lang="ja-JP" altLang="en-US"/>
           </a:p>
@@ -2185,7 +2190,7 @@
           <a:p>
             <a:fld id="{012A1DDC-4AB2-4F4D-8C11-ABF3465A4CEE}" type="datetimeFigureOut">
               <a:rPr kumimoji="1" lang="ja-JP" altLang="en-US" smtClean="0"/>
-              <a:t>2021/5/27</a:t>
+              <a:t>2021/5/28</a:t>
             </a:fld>
             <a:endParaRPr kumimoji="1" lang="ja-JP" altLang="en-US"/>
           </a:p>
@@ -2298,7 +2303,7 @@
           <a:p>
             <a:fld id="{012A1DDC-4AB2-4F4D-8C11-ABF3465A4CEE}" type="datetimeFigureOut">
               <a:rPr kumimoji="1" lang="ja-JP" altLang="en-US" smtClean="0"/>
-              <a:t>2021/5/27</a:t>
+              <a:t>2021/5/28</a:t>
             </a:fld>
             <a:endParaRPr kumimoji="1" lang="ja-JP" altLang="en-US"/>
           </a:p>
@@ -2641,7 +2646,7 @@
           <a:p>
             <a:fld id="{012A1DDC-4AB2-4F4D-8C11-ABF3465A4CEE}" type="datetimeFigureOut">
               <a:rPr kumimoji="1" lang="ja-JP" altLang="en-US" smtClean="0"/>
-              <a:t>2021/5/27</a:t>
+              <a:t>2021/5/28</a:t>
             </a:fld>
             <a:endParaRPr kumimoji="1" lang="ja-JP" altLang="en-US"/>
           </a:p>
@@ -2929,7 +2934,7 @@
           <a:p>
             <a:fld id="{012A1DDC-4AB2-4F4D-8C11-ABF3465A4CEE}" type="datetimeFigureOut">
               <a:rPr kumimoji="1" lang="ja-JP" altLang="en-US" smtClean="0"/>
-              <a:t>2021/5/27</a:t>
+              <a:t>2021/5/28</a:t>
             </a:fld>
             <a:endParaRPr kumimoji="1" lang="ja-JP" altLang="en-US"/>
           </a:p>
@@ -3202,7 +3207,7 @@
           <a:p>
             <a:fld id="{012A1DDC-4AB2-4F4D-8C11-ABF3465A4CEE}" type="datetimeFigureOut">
               <a:rPr kumimoji="1" lang="ja-JP" altLang="en-US" smtClean="0"/>
-              <a:t>2021/5/27</a:t>
+              <a:t>2021/5/28</a:t>
             </a:fld>
             <a:endParaRPr kumimoji="1" lang="ja-JP" altLang="en-US"/>
           </a:p>
@@ -4496,7 +4501,12 @@
             <p:ph idx="1"/>
           </p:nvPr>
         </p:nvSpPr>
-        <p:spPr/>
+        <p:spPr>
+          <a:xfrm>
+            <a:off x="1197204" y="1825625"/>
+            <a:ext cx="9502219" cy="4351338"/>
+          </a:xfrm>
+        </p:spPr>
         <p:txBody>
           <a:bodyPr>
             <a:normAutofit/>
@@ -4528,7 +4538,7 @@
                 </a:solidFill>
                 <a:latin typeface="+mn-ea"/>
               </a:rPr>
-              <a:t>日間という短いチーム開発演習ではありましたが、メンバーと役割を分担し</a:t>
+              <a:t>日間という短いチーム開発演習ではありましたが、</a:t>
             </a:r>
             <a:endParaRPr kumimoji="1" lang="en-US" altLang="ja-JP" sz="2000" dirty="0">
               <a:solidFill>
@@ -4554,7 +4564,33 @@
                 </a:solidFill>
                 <a:latin typeface="+mn-ea"/>
               </a:rPr>
-              <a:t>分からないところは補い合いながらアプリケーションを開発することができました</a:t>
+              <a:t>メンバーと役割を分担し分からないところは補い合いながら</a:t>
+            </a:r>
+            <a:endParaRPr kumimoji="1" lang="en-US" altLang="ja-JP" sz="2000" dirty="0">
+              <a:solidFill>
+                <a:schemeClr val="tx1">
+                  <a:lumMod val="75000"/>
+                  <a:lumOff val="25000"/>
+                </a:schemeClr>
+              </a:solidFill>
+              <a:latin typeface="+mn-ea"/>
+            </a:endParaRPr>
+          </a:p>
+          <a:p>
+            <a:pPr marL="0" indent="0" algn="ctr">
+              <a:buNone/>
+            </a:pPr>
+            <a:r>
+              <a:rPr kumimoji="1" lang="ja-JP" altLang="en-US" sz="2000" dirty="0">
+                <a:solidFill>
+                  <a:schemeClr val="tx1">
+                    <a:lumMod val="75000"/>
+                    <a:lumOff val="25000"/>
+                  </a:schemeClr>
+                </a:solidFill>
+                <a:latin typeface="+mn-ea"/>
+              </a:rPr>
+              <a:t>アプリケーションを開発することができました</a:t>
             </a:r>
             <a:endParaRPr kumimoji="1" lang="en-US" altLang="ja-JP" sz="2000" dirty="0">
               <a:solidFill>
@@ -4594,7 +4630,33 @@
                 </a:solidFill>
                 <a:latin typeface="+mn-ea"/>
               </a:rPr>
-              <a:t>楽しく開発しながらプログラミングの知識も身にけることができた貴重な時間でした</a:t>
+              <a:t>楽しく開発しながらプログラミングの知識も身にけることができた</a:t>
+            </a:r>
+            <a:endParaRPr kumimoji="1" lang="en-US" altLang="ja-JP" sz="2000" dirty="0">
+              <a:solidFill>
+                <a:schemeClr val="tx1">
+                  <a:lumMod val="75000"/>
+                  <a:lumOff val="25000"/>
+                </a:schemeClr>
+              </a:solidFill>
+              <a:latin typeface="+mn-ea"/>
+            </a:endParaRPr>
+          </a:p>
+          <a:p>
+            <a:pPr marL="0" indent="0" algn="ctr">
+              <a:buNone/>
+            </a:pPr>
+            <a:r>
+              <a:rPr kumimoji="1" lang="ja-JP" altLang="en-US" sz="2000" dirty="0">
+                <a:solidFill>
+                  <a:schemeClr val="tx1">
+                    <a:lumMod val="75000"/>
+                    <a:lumOff val="25000"/>
+                  </a:schemeClr>
+                </a:solidFill>
+                <a:latin typeface="+mn-ea"/>
+              </a:rPr>
+              <a:t>貴重な時間でした</a:t>
             </a:r>
             <a:endParaRPr kumimoji="1" lang="en-US" altLang="ja-JP" sz="2000" dirty="0">
               <a:solidFill>
@@ -5579,8 +5641,14 @@
           </a:bodyPr>
           <a:lstStyle/>
           <a:p>
-            <a:r>
-              <a:rPr kumimoji="1" lang="ja-JP" altLang="en-US" sz="2200" dirty="0">
+            <a:pPr marL="0" indent="0">
+              <a:lnSpc>
+                <a:spcPct val="150000"/>
+              </a:lnSpc>
+              <a:buNone/>
+            </a:pPr>
+            <a:r>
+              <a:rPr kumimoji="1" lang="ja-JP" altLang="en-US" sz="2400" dirty="0">
                 <a:solidFill>
                   <a:schemeClr val="tx1">
                     <a:lumMod val="75000"/>
@@ -5592,6 +5660,59 @@
               <a:t>リーダー</a:t>
             </a:r>
             <a:r>
+              <a:rPr lang="ja-JP" altLang="en-US" sz="2400" dirty="0">
+                <a:solidFill>
+                  <a:schemeClr val="tx1">
+                    <a:lumMod val="75000"/>
+                    <a:lumOff val="25000"/>
+                  </a:schemeClr>
+                </a:solidFill>
+                <a:latin typeface="+mn-ea"/>
+              </a:rPr>
+              <a:t>：</a:t>
+            </a:r>
+            <a:r>
+              <a:rPr kumimoji="1" lang="ja-JP" altLang="en-US" sz="2400" dirty="0">
+                <a:solidFill>
+                  <a:schemeClr val="tx1">
+                    <a:lumMod val="75000"/>
+                    <a:lumOff val="25000"/>
+                  </a:schemeClr>
+                </a:solidFill>
+                <a:latin typeface="+mn-ea"/>
+              </a:rPr>
+              <a:t>豊島 </a:t>
+            </a:r>
+            <a:r>
+              <a:rPr lang="ja-JP" altLang="en-US" sz="2400" dirty="0">
+                <a:solidFill>
+                  <a:schemeClr val="tx1">
+                    <a:lumMod val="75000"/>
+                    <a:lumOff val="25000"/>
+                  </a:schemeClr>
+                </a:solidFill>
+                <a:latin typeface="+mn-ea"/>
+              </a:rPr>
+              <a:t>由夏　</a:t>
+            </a:r>
+            <a:endParaRPr lang="en-US" altLang="ja-JP" sz="2400" dirty="0">
+              <a:solidFill>
+                <a:schemeClr val="tx1">
+                  <a:lumMod val="75000"/>
+                  <a:lumOff val="25000"/>
+                </a:schemeClr>
+              </a:solidFill>
+              <a:latin typeface="+mn-ea"/>
+            </a:endParaRPr>
+          </a:p>
+          <a:p>
+            <a:pPr marL="0" indent="0">
+              <a:lnSpc>
+                <a:spcPct val="150000"/>
+              </a:lnSpc>
+              <a:buNone/>
+            </a:pPr>
+            <a:r>
               <a:rPr lang="ja-JP" altLang="en-US" sz="2200" dirty="0">
                 <a:solidFill>
                   <a:schemeClr val="tx1">
@@ -5601,19 +5722,19 @@
                 </a:solidFill>
                 <a:latin typeface="+mn-ea"/>
               </a:rPr>
-              <a:t>：</a:t>
-            </a:r>
-            <a:r>
-              <a:rPr kumimoji="1" lang="ja-JP" altLang="en-US" sz="2200" dirty="0">
-                <a:solidFill>
-                  <a:schemeClr val="tx1">
-                    <a:lumMod val="75000"/>
-                    <a:lumOff val="25000"/>
-                  </a:schemeClr>
-                </a:solidFill>
-                <a:latin typeface="+mn-ea"/>
-              </a:rPr>
-              <a:t>豊島 </a:t>
+              <a:t>　担当：各画面の</a:t>
+            </a:r>
+            <a:r>
+              <a:rPr lang="en-US" altLang="ja-JP" sz="2200" dirty="0">
+                <a:solidFill>
+                  <a:schemeClr val="tx1">
+                    <a:lumMod val="75000"/>
+                    <a:lumOff val="25000"/>
+                  </a:schemeClr>
+                </a:solidFill>
+                <a:latin typeface="+mn-ea"/>
+              </a:rPr>
+              <a:t>HTML</a:t>
             </a:r>
             <a:r>
               <a:rPr lang="ja-JP" altLang="en-US" sz="2200" dirty="0">
@@ -5625,7 +5746,55 @@
                 </a:solidFill>
                 <a:latin typeface="+mn-ea"/>
               </a:rPr>
-              <a:t>由夏　</a:t>
+              <a:t>／</a:t>
+            </a:r>
+            <a:r>
+              <a:rPr lang="en-US" altLang="ja-JP" sz="2200" dirty="0">
+                <a:solidFill>
+                  <a:schemeClr val="tx1">
+                    <a:lumMod val="75000"/>
+                    <a:lumOff val="25000"/>
+                  </a:schemeClr>
+                </a:solidFill>
+                <a:latin typeface="+mn-ea"/>
+              </a:rPr>
+              <a:t>CSS</a:t>
+            </a:r>
+            <a:r>
+              <a:rPr lang="ja-JP" altLang="en-US" sz="2200" dirty="0" err="1">
+                <a:solidFill>
+                  <a:schemeClr val="tx1">
+                    <a:lumMod val="75000"/>
+                    <a:lumOff val="25000"/>
+                  </a:schemeClr>
+                </a:solidFill>
+                <a:latin typeface="+mn-ea"/>
+              </a:rPr>
+              <a:t>、</a:t>
+            </a:r>
+            <a:r>
+              <a:rPr lang="en-US" altLang="ja-JP" sz="2200" dirty="0">
+                <a:solidFill>
+                  <a:schemeClr val="tx1">
+                    <a:lumMod val="75000"/>
+                    <a:lumOff val="25000"/>
+                  </a:schemeClr>
+                </a:solidFill>
+                <a:latin typeface="+mn-ea"/>
+              </a:rPr>
+              <a:t> SEO</a:t>
+            </a:r>
+            <a:r>
+              <a:rPr lang="ja-JP" altLang="en-US" sz="2200" dirty="0">
+                <a:solidFill>
+                  <a:schemeClr val="tx1">
+                    <a:lumMod val="75000"/>
+                    <a:lumOff val="25000"/>
+                  </a:schemeClr>
+                </a:solidFill>
+                <a:latin typeface="+mn-ea"/>
+              </a:rPr>
+              <a:t>機能、健康チェック機能、グラフ機能、</a:t>
             </a:r>
             <a:endParaRPr lang="en-US" altLang="ja-JP" sz="2200" dirty="0">
               <a:solidFill>
@@ -5651,105 +5820,7 @@
                 </a:solidFill>
                 <a:latin typeface="+mn-ea"/>
               </a:rPr>
-              <a:t>担当：各画面の</a:t>
-            </a:r>
-            <a:r>
-              <a:rPr lang="en-US" altLang="ja-JP" sz="2200" dirty="0">
-                <a:solidFill>
-                  <a:schemeClr val="tx1">
-                    <a:lumMod val="75000"/>
-                    <a:lumOff val="25000"/>
-                  </a:schemeClr>
-                </a:solidFill>
-                <a:latin typeface="+mn-ea"/>
-              </a:rPr>
-              <a:t>HTML</a:t>
-            </a:r>
-            <a:r>
-              <a:rPr lang="ja-JP" altLang="en-US" sz="2200" dirty="0">
-                <a:solidFill>
-                  <a:schemeClr val="tx1">
-                    <a:lumMod val="75000"/>
-                    <a:lumOff val="25000"/>
-                  </a:schemeClr>
-                </a:solidFill>
-                <a:latin typeface="+mn-ea"/>
-              </a:rPr>
-              <a:t>／</a:t>
-            </a:r>
-            <a:r>
-              <a:rPr lang="en-US" altLang="ja-JP" sz="2200" dirty="0">
-                <a:solidFill>
-                  <a:schemeClr val="tx1">
-                    <a:lumMod val="75000"/>
-                    <a:lumOff val="25000"/>
-                  </a:schemeClr>
-                </a:solidFill>
-                <a:latin typeface="+mn-ea"/>
-              </a:rPr>
-              <a:t>CSS</a:t>
-            </a:r>
-            <a:r>
-              <a:rPr lang="ja-JP" altLang="en-US" sz="2200" dirty="0" err="1">
-                <a:solidFill>
-                  <a:schemeClr val="tx1">
-                    <a:lumMod val="75000"/>
-                    <a:lumOff val="25000"/>
-                  </a:schemeClr>
-                </a:solidFill>
-                <a:latin typeface="+mn-ea"/>
-              </a:rPr>
-              <a:t>、</a:t>
-            </a:r>
-            <a:r>
-              <a:rPr lang="en-US" altLang="ja-JP" sz="2200" dirty="0">
-                <a:solidFill>
-                  <a:schemeClr val="tx1">
-                    <a:lumMod val="75000"/>
-                    <a:lumOff val="25000"/>
-                  </a:schemeClr>
-                </a:solidFill>
-                <a:latin typeface="+mn-ea"/>
-              </a:rPr>
-              <a:t> SEO</a:t>
-            </a:r>
-            <a:r>
-              <a:rPr lang="ja-JP" altLang="en-US" sz="2200" dirty="0">
-                <a:solidFill>
-                  <a:schemeClr val="tx1">
-                    <a:lumMod val="75000"/>
-                    <a:lumOff val="25000"/>
-                  </a:schemeClr>
-                </a:solidFill>
-                <a:latin typeface="+mn-ea"/>
-              </a:rPr>
-              <a:t>機能、健康チェック機能、グラフ機能、</a:t>
-            </a:r>
-            <a:endParaRPr lang="en-US" altLang="ja-JP" sz="2200" dirty="0">
-              <a:solidFill>
-                <a:schemeClr val="tx1">
-                  <a:lumMod val="75000"/>
-                  <a:lumOff val="25000"/>
-                </a:schemeClr>
-              </a:solidFill>
-              <a:latin typeface="+mn-ea"/>
-            </a:endParaRPr>
-          </a:p>
-          <a:p>
-            <a:pPr marL="0" indent="0">
-              <a:buNone/>
-            </a:pPr>
-            <a:r>
-              <a:rPr lang="ja-JP" altLang="en-US" sz="2200" dirty="0">
-                <a:solidFill>
-                  <a:schemeClr val="tx1">
-                    <a:lumMod val="75000"/>
-                    <a:lumOff val="25000"/>
-                  </a:schemeClr>
-                </a:solidFill>
-                <a:latin typeface="+mn-ea"/>
-              </a:rPr>
-              <a:t>　　　管理者ページ機能、フィードバックコメント機能</a:t>
+              <a:t>　　　　管理者ページ機能、フィードバックコメント機能</a:t>
             </a:r>
             <a:endParaRPr lang="en-US" altLang="ja-JP" sz="2200" dirty="0">
               <a:solidFill>
@@ -5776,8 +5847,14 @@
             </a:endParaRPr>
           </a:p>
           <a:p>
-            <a:r>
-              <a:rPr kumimoji="1" lang="ja-JP" altLang="en-US" sz="2200" dirty="0">
+            <a:pPr marL="0" indent="0">
+              <a:lnSpc>
+                <a:spcPct val="150000"/>
+              </a:lnSpc>
+              <a:buNone/>
+            </a:pPr>
+            <a:r>
+              <a:rPr kumimoji="1" lang="ja-JP" altLang="en-US" sz="2400" dirty="0">
                 <a:solidFill>
                   <a:schemeClr val="tx1">
                     <a:lumMod val="75000"/>
@@ -5789,7 +5866,7 @@
               <a:t>書記</a:t>
             </a:r>
             <a:r>
-              <a:rPr lang="ja-JP" altLang="en-US" sz="2200" dirty="0">
+              <a:rPr lang="ja-JP" altLang="en-US" sz="2400" dirty="0">
                 <a:solidFill>
                   <a:schemeClr val="tx1">
                     <a:lumMod val="75000"/>
@@ -5801,7 +5878,7 @@
               <a:t>：</a:t>
             </a:r>
             <a:r>
-              <a:rPr kumimoji="1" lang="ja-JP" altLang="en-US" sz="2200" dirty="0">
+              <a:rPr kumimoji="1" lang="ja-JP" altLang="en-US" sz="2400" dirty="0">
                 <a:solidFill>
                   <a:schemeClr val="tx1">
                     <a:lumMod val="75000"/>
@@ -5812,7 +5889,7 @@
               </a:rPr>
               <a:t>畑本 珠貴　</a:t>
             </a:r>
-            <a:endParaRPr kumimoji="1" lang="en-US" altLang="ja-JP" sz="2200" dirty="0">
+            <a:endParaRPr kumimoji="1" lang="en-US" altLang="ja-JP" sz="2400" dirty="0">
               <a:solidFill>
                 <a:schemeClr val="tx1">
                   <a:lumMod val="75000"/>
@@ -5824,6 +5901,9 @@
           </a:p>
           <a:p>
             <a:pPr marL="0" indent="0">
+              <a:lnSpc>
+                <a:spcPct val="150000"/>
+              </a:lnSpc>
               <a:buNone/>
             </a:pPr>
             <a:r>
@@ -5836,7 +5916,7 @@
                 </a:solidFill>
                 <a:latin typeface="+mn-ea"/>
               </a:rPr>
-              <a:t>役割：データベース作成、ログイン／ログアウト機能、新規登録、</a:t>
+              <a:t>　役割：データベース作成、ログイン／ログアウト機能、新規登録、</a:t>
             </a:r>
             <a:endParaRPr lang="en-US" altLang="ja-JP" sz="2200" dirty="0">
               <a:solidFill>
@@ -5862,7 +5942,7 @@
                 </a:solidFill>
                 <a:latin typeface="+mn-ea"/>
               </a:rPr>
-              <a:t>　　　レシピ表示機能、登録情報表示／変更機能</a:t>
+              <a:t>　　　　レシピ表示機能、登録情報表示／変更機能</a:t>
             </a:r>
             <a:endParaRPr lang="en-US" altLang="ja-JP" sz="2200" dirty="0">
               <a:solidFill>
@@ -5967,6 +6047,92 @@
           </a:p>
         </p:txBody>
       </p:sp>
+      <p:cxnSp>
+        <p:nvCxnSpPr>
+          <p:cNvPr id="7" name="直線コネクタ 6">
+            <a:extLst>
+              <a:ext uri="{FF2B5EF4-FFF2-40B4-BE49-F238E27FC236}">
+                <a16:creationId xmlns:a16="http://schemas.microsoft.com/office/drawing/2014/main" id="{C132FF63-8E0F-41F4-9F9C-E57309F56153}"/>
+              </a:ext>
+            </a:extLst>
+          </p:cNvPr>
+          <p:cNvCxnSpPr>
+            <a:cxnSpLocks/>
+          </p:cNvCxnSpPr>
+          <p:nvPr/>
+        </p:nvCxnSpPr>
+        <p:spPr>
+          <a:xfrm>
+            <a:off x="1210177" y="2407098"/>
+            <a:ext cx="3314689" cy="0"/>
+          </a:xfrm>
+          <a:prstGeom prst="line">
+            <a:avLst/>
+          </a:prstGeom>
+          <a:ln w="19050">
+            <a:solidFill>
+              <a:srgbClr val="B6E4E1"/>
+            </a:solidFill>
+          </a:ln>
+        </p:spPr>
+        <p:style>
+          <a:lnRef idx="1">
+            <a:schemeClr val="accent1"/>
+          </a:lnRef>
+          <a:fillRef idx="0">
+            <a:schemeClr val="accent1"/>
+          </a:fillRef>
+          <a:effectRef idx="0">
+            <a:schemeClr val="accent1"/>
+          </a:effectRef>
+          <a:fontRef idx="minor">
+            <a:schemeClr val="tx1"/>
+          </a:fontRef>
+        </p:style>
+      </p:cxnSp>
+      <p:cxnSp>
+        <p:nvCxnSpPr>
+          <p:cNvPr id="8" name="直線コネクタ 7">
+            <a:extLst>
+              <a:ext uri="{FF2B5EF4-FFF2-40B4-BE49-F238E27FC236}">
+                <a16:creationId xmlns:a16="http://schemas.microsoft.com/office/drawing/2014/main" id="{280C0244-C18A-4E86-A352-F78A1EDC302F}"/>
+              </a:ext>
+            </a:extLst>
+          </p:cNvPr>
+          <p:cNvCxnSpPr>
+            <a:cxnSpLocks/>
+          </p:cNvCxnSpPr>
+          <p:nvPr/>
+        </p:nvCxnSpPr>
+        <p:spPr>
+          <a:xfrm>
+            <a:off x="1210177" y="4611695"/>
+            <a:ext cx="3314689" cy="0"/>
+          </a:xfrm>
+          <a:prstGeom prst="line">
+            <a:avLst/>
+          </a:prstGeom>
+          <a:ln w="19050">
+            <a:solidFill>
+              <a:srgbClr val="B6E4E1"/>
+            </a:solidFill>
+          </a:ln>
+        </p:spPr>
+        <p:style>
+          <a:lnRef idx="1">
+            <a:schemeClr val="accent1"/>
+          </a:lnRef>
+          <a:fillRef idx="0">
+            <a:schemeClr val="accent1"/>
+          </a:fillRef>
+          <a:effectRef idx="0">
+            <a:schemeClr val="accent1"/>
+          </a:effectRef>
+          <a:fontRef idx="minor">
+            <a:schemeClr val="tx1"/>
+          </a:fontRef>
+        </p:style>
+      </p:cxnSp>
     </p:spTree>
     <p:extLst>
       <p:ext uri="{BB962C8B-B14F-4D97-AF65-F5344CB8AC3E}">
@@ -6066,6 +6232,11 @@
           </a:bodyPr>
           <a:lstStyle/>
           <a:p>
+            <a:pPr>
+              <a:lnSpc>
+                <a:spcPct val="150000"/>
+              </a:lnSpc>
+            </a:pPr>
             <a:r>
               <a:rPr kumimoji="1" lang="ja-JP" altLang="en-US" sz="2200" dirty="0">
                 <a:solidFill>
@@ -6090,6 +6261,9 @@
           </a:p>
           <a:p>
             <a:pPr marL="0" indent="0">
+              <a:lnSpc>
+                <a:spcPct val="150000"/>
+              </a:lnSpc>
               <a:buNone/>
             </a:pPr>
             <a:r>
@@ -6170,6 +6344,11 @@
             </a:endParaRPr>
           </a:p>
           <a:p>
+            <a:pPr>
+              <a:lnSpc>
+                <a:spcPct val="150000"/>
+              </a:lnSpc>
+            </a:pPr>
             <a:r>
               <a:rPr kumimoji="1" lang="ja-JP" altLang="en-US" sz="2200" dirty="0">
                 <a:solidFill>
@@ -6194,6 +6373,9 @@
           </a:p>
           <a:p>
             <a:pPr marL="0" indent="0">
+              <a:lnSpc>
+                <a:spcPct val="150000"/>
+              </a:lnSpc>
               <a:buNone/>
             </a:pPr>
             <a:r>
@@ -6523,7 +6705,31 @@
                 </a:solidFill>
                 <a:latin typeface="+mn-ea"/>
               </a:rPr>
-              <a:t>要件定義書作成　予定</a:t>
+              <a:t>要件定義書作成 </a:t>
+            </a:r>
+            <a:r>
+              <a:rPr kumimoji="1" lang="en-US" altLang="ja-JP" sz="2200" dirty="0">
+                <a:solidFill>
+                  <a:schemeClr val="tx1">
+                    <a:lumMod val="75000"/>
+                    <a:lumOff val="25000"/>
+                  </a:schemeClr>
+                </a:solidFill>
+                <a:latin typeface="+mn-ea"/>
+              </a:rPr>
+              <a:t>― </a:t>
+            </a:r>
+            <a:r>
+              <a:rPr kumimoji="1" lang="ja-JP" altLang="en-US" sz="2200" dirty="0">
+                <a:solidFill>
+                  <a:schemeClr val="tx1">
+                    <a:lumMod val="75000"/>
+                    <a:lumOff val="25000"/>
+                  </a:schemeClr>
+                </a:solidFill>
+                <a:latin typeface="+mn-ea"/>
+              </a:rPr>
+              <a:t>予定</a:t>
             </a:r>
             <a:r>
               <a:rPr lang="en-US" altLang="ja-JP" sz="2200" dirty="0">
@@ -6598,6 +6804,11 @@
             </a:endParaRPr>
           </a:p>
           <a:p>
+            <a:pPr>
+              <a:lnSpc>
+                <a:spcPct val="150000"/>
+              </a:lnSpc>
+            </a:pPr>
             <a:r>
               <a:rPr lang="ja-JP" altLang="en-US" sz="2200" dirty="0">
                 <a:solidFill>
@@ -6608,7 +6819,31 @@
                 </a:solidFill>
                 <a:latin typeface="+mn-ea"/>
               </a:rPr>
-              <a:t>基本設計書作成</a:t>
+              <a:t>基本設計書作成 </a:t>
+            </a:r>
+            <a:r>
+              <a:rPr lang="en-US" altLang="ja-JP" sz="2200" dirty="0">
+                <a:solidFill>
+                  <a:schemeClr val="tx1">
+                    <a:lumMod val="75000"/>
+                    <a:lumOff val="25000"/>
+                  </a:schemeClr>
+                </a:solidFill>
+                <a:latin typeface="+mn-ea"/>
+              </a:rPr>
+              <a:t>―</a:t>
+            </a:r>
+            <a:r>
+              <a:rPr lang="ja-JP" altLang="en-US" sz="2200" dirty="0">
+                <a:solidFill>
+                  <a:schemeClr val="tx1">
+                    <a:lumMod val="75000"/>
+                    <a:lumOff val="25000"/>
+                  </a:schemeClr>
+                </a:solidFill>
+                <a:latin typeface="+mn-ea"/>
+              </a:rPr>
+              <a:t> </a:t>
             </a:r>
             <a:r>
               <a:rPr kumimoji="1" lang="ja-JP" altLang="en-US" sz="2200" dirty="0">
@@ -6620,7 +6855,7 @@
                 </a:solidFill>
                 <a:latin typeface="+mn-ea"/>
               </a:rPr>
-              <a:t>　予定</a:t>
+              <a:t>予定</a:t>
             </a:r>
             <a:r>
               <a:rPr kumimoji="1" lang="en-US" altLang="ja-JP" sz="2200" dirty="0">
@@ -6682,6 +6917,9 @@
           </a:p>
           <a:p>
             <a:pPr marL="0" indent="0">
+              <a:lnSpc>
+                <a:spcPct val="150000"/>
+              </a:lnSpc>
               <a:buNone/>
             </a:pPr>
             <a:r>
@@ -6783,6 +7021,11 @@
             </a:endParaRPr>
           </a:p>
           <a:p>
+            <a:pPr>
+              <a:lnSpc>
+                <a:spcPct val="150000"/>
+              </a:lnSpc>
+            </a:pPr>
             <a:r>
               <a:rPr lang="ja-JP" altLang="en-US" sz="2200" dirty="0">
                 <a:solidFill>
@@ -6793,7 +7036,31 @@
                 </a:solidFill>
                 <a:latin typeface="+mn-ea"/>
               </a:rPr>
-              <a:t>作業工程表作成　予定</a:t>
+              <a:t>作業工程表作成 </a:t>
+            </a:r>
+            <a:r>
+              <a:rPr lang="en-US" altLang="ja-JP" sz="2200" dirty="0">
+                <a:solidFill>
+                  <a:schemeClr val="tx1">
+                    <a:lumMod val="75000"/>
+                    <a:lumOff val="25000"/>
+                  </a:schemeClr>
+                </a:solidFill>
+                <a:latin typeface="+mn-ea"/>
+              </a:rPr>
+              <a:t>―</a:t>
+            </a:r>
+            <a:r>
+              <a:rPr lang="ja-JP" altLang="en-US" sz="2200" dirty="0">
+                <a:solidFill>
+                  <a:schemeClr val="tx1">
+                    <a:lumMod val="75000"/>
+                    <a:lumOff val="25000"/>
+                  </a:schemeClr>
+                </a:solidFill>
+                <a:latin typeface="+mn-ea"/>
+              </a:rPr>
+              <a:t> 予定</a:t>
             </a:r>
             <a:r>
               <a:rPr lang="en-US" altLang="ja-JP" sz="2200" dirty="0">
@@ -6855,6 +7122,9 @@
           </a:p>
           <a:p>
             <a:pPr marL="0" indent="0">
+              <a:lnSpc>
+                <a:spcPct val="150000"/>
+              </a:lnSpc>
               <a:buNone/>
             </a:pPr>
             <a:r>
@@ -7020,16 +7290,21 @@
         </p:nvSpPr>
         <p:spPr>
           <a:xfrm>
-            <a:off x="1275126" y="1801922"/>
-            <a:ext cx="10078673" cy="4351338"/>
+            <a:off x="1275126" y="1801921"/>
+            <a:ext cx="10078673" cy="4690953"/>
           </a:xfrm>
         </p:spPr>
         <p:txBody>
           <a:bodyPr>
-            <a:normAutofit/>
+            <a:normAutofit fontScale="92500" lnSpcReduction="10000"/>
           </a:bodyPr>
           <a:lstStyle/>
           <a:p>
+            <a:pPr>
+              <a:lnSpc>
+                <a:spcPct val="150000"/>
+              </a:lnSpc>
+            </a:pPr>
             <a:r>
               <a:rPr lang="ja-JP" altLang="en-US" sz="2200" dirty="0">
                 <a:solidFill>
@@ -7040,7 +7315,31 @@
                 </a:solidFill>
                 <a:latin typeface="+mn-ea"/>
               </a:rPr>
-              <a:t>詳細設計　予定</a:t>
+              <a:t>詳細設計 </a:t>
+            </a:r>
+            <a:r>
+              <a:rPr lang="en-US" altLang="ja-JP" sz="2200" dirty="0">
+                <a:solidFill>
+                  <a:schemeClr val="tx1">
+                    <a:lumMod val="75000"/>
+                    <a:lumOff val="25000"/>
+                  </a:schemeClr>
+                </a:solidFill>
+                <a:latin typeface="+mn-ea"/>
+              </a:rPr>
+              <a:t>―</a:t>
+            </a:r>
+            <a:r>
+              <a:rPr lang="ja-JP" altLang="en-US" sz="2200" dirty="0">
+                <a:solidFill>
+                  <a:schemeClr val="tx1">
+                    <a:lumMod val="75000"/>
+                    <a:lumOff val="25000"/>
+                  </a:schemeClr>
+                </a:solidFill>
+                <a:latin typeface="+mn-ea"/>
+              </a:rPr>
+              <a:t> 予定</a:t>
             </a:r>
             <a:r>
               <a:rPr lang="en-US" altLang="ja-JP" sz="2200" dirty="0">
@@ -7102,6 +7401,9 @@
           </a:p>
           <a:p>
             <a:pPr marL="0" indent="0">
+              <a:lnSpc>
+                <a:spcPct val="150000"/>
+              </a:lnSpc>
               <a:buNone/>
             </a:pPr>
             <a:r>
@@ -7191,6 +7493,11 @@
             </a:endParaRPr>
           </a:p>
           <a:p>
+            <a:pPr>
+              <a:lnSpc>
+                <a:spcPct val="160000"/>
+              </a:lnSpc>
+            </a:pPr>
             <a:r>
               <a:rPr kumimoji="1" lang="ja-JP" altLang="en-US" sz="2200" dirty="0">
                 <a:solidFill>
@@ -7201,7 +7508,31 @@
                 </a:solidFill>
                 <a:latin typeface="+mn-ea"/>
               </a:rPr>
-              <a:t>製造　予定</a:t>
+              <a:t>製造 </a:t>
+            </a:r>
+            <a:r>
+              <a:rPr lang="en-US" altLang="ja-JP" sz="2200" dirty="0">
+                <a:solidFill>
+                  <a:schemeClr val="tx1">
+                    <a:lumMod val="75000"/>
+                    <a:lumOff val="25000"/>
+                  </a:schemeClr>
+                </a:solidFill>
+                <a:latin typeface="+mn-ea"/>
+              </a:rPr>
+              <a:t>― </a:t>
+            </a:r>
+            <a:r>
+              <a:rPr kumimoji="1" lang="ja-JP" altLang="en-US" sz="2200" dirty="0">
+                <a:solidFill>
+                  <a:schemeClr val="tx1">
+                    <a:lumMod val="75000"/>
+                    <a:lumOff val="25000"/>
+                  </a:schemeClr>
+                </a:solidFill>
+                <a:latin typeface="+mn-ea"/>
+              </a:rPr>
+              <a:t>予定</a:t>
             </a:r>
             <a:r>
               <a:rPr kumimoji="1" lang="en-US" altLang="ja-JP" sz="2200" dirty="0">
@@ -7263,6 +7594,9 @@
           </a:p>
           <a:p>
             <a:pPr marL="0" indent="0">
+              <a:lnSpc>
+                <a:spcPct val="160000"/>
+              </a:lnSpc>
               <a:buNone/>
             </a:pPr>
             <a:r>
@@ -7324,7 +7658,31 @@
                 </a:solidFill>
                 <a:latin typeface="+mn-ea"/>
               </a:rPr>
-              <a:t>テスト、バグ修正　予定</a:t>
+              <a:t>テスト、バグ修正 </a:t>
+            </a:r>
+            <a:r>
+              <a:rPr lang="en-US" altLang="ja-JP" sz="2200" dirty="0">
+                <a:solidFill>
+                  <a:schemeClr val="tx1">
+                    <a:lumMod val="75000"/>
+                    <a:lumOff val="25000"/>
+                  </a:schemeClr>
+                </a:solidFill>
+                <a:latin typeface="+mn-ea"/>
+              </a:rPr>
+              <a:t>― </a:t>
+            </a:r>
+            <a:r>
+              <a:rPr kumimoji="1" lang="ja-JP" altLang="en-US" sz="2200" dirty="0">
+                <a:solidFill>
+                  <a:schemeClr val="tx1">
+                    <a:lumMod val="75000"/>
+                    <a:lumOff val="25000"/>
+                  </a:schemeClr>
+                </a:solidFill>
+                <a:latin typeface="+mn-ea"/>
+              </a:rPr>
+              <a:t>予定</a:t>
             </a:r>
             <a:r>
               <a:rPr kumimoji="1" lang="en-US" altLang="ja-JP" sz="2200" dirty="0">
@@ -7409,7 +7767,31 @@
                 </a:solidFill>
                 <a:latin typeface="+mn-ea"/>
               </a:rPr>
-              <a:t>発表準備　予定</a:t>
+              <a:t>発表準備 </a:t>
+            </a:r>
+            <a:r>
+              <a:rPr lang="en-US" altLang="ja-JP" sz="2200" dirty="0">
+                <a:solidFill>
+                  <a:schemeClr val="tx1">
+                    <a:lumMod val="75000"/>
+                    <a:lumOff val="25000"/>
+                  </a:schemeClr>
+                </a:solidFill>
+                <a:latin typeface="+mn-ea"/>
+              </a:rPr>
+              <a:t>―</a:t>
+            </a:r>
+            <a:r>
+              <a:rPr lang="ja-JP" altLang="en-US" sz="2200" dirty="0">
+                <a:solidFill>
+                  <a:schemeClr val="tx1">
+                    <a:lumMod val="75000"/>
+                    <a:lumOff val="25000"/>
+                  </a:schemeClr>
+                </a:solidFill>
+                <a:latin typeface="+mn-ea"/>
+              </a:rPr>
+              <a:t> 予定</a:t>
             </a:r>
             <a:r>
               <a:rPr lang="en-US" altLang="ja-JP" sz="2200" dirty="0">

--- a/発表資料/発表資料.pptx
+++ b/発表資料/発表資料.pptx
@@ -16,6 +16,7 @@
     <p:sldId id="263" r:id="rId10"/>
     <p:sldId id="266" r:id="rId11"/>
     <p:sldId id="264" r:id="rId12"/>
+    <p:sldId id="267" r:id="rId13"/>
   </p:sldIdLst>
   <p:sldSz cx="12192000" cy="6858000"/>
   <p:notesSz cx="6858000" cy="9144000"/>
@@ -4630,7 +4631,7 @@
                 </a:solidFill>
                 <a:latin typeface="+mn-ea"/>
               </a:rPr>
-              <a:t>楽しく開発しながらプログラミングの知識も身にけることができた</a:t>
+              <a:t>楽しく開発しながらプログラミングの知識も身につけることができた</a:t>
             </a:r>
             <a:endParaRPr kumimoji="1" lang="en-US" altLang="ja-JP" sz="2000" dirty="0">
               <a:solidFill>
@@ -4812,6 +4813,204 @@
 </p:sld>
 </file>
 
+<file path=ppt/slides/slide12.xml><?xml version="1.0" encoding="utf-8"?>
+<p:sld xmlns:a="http://schemas.openxmlformats.org/drawingml/2006/main" xmlns:r="http://schemas.openxmlformats.org/officeDocument/2006/relationships" xmlns:p="http://schemas.openxmlformats.org/presentationml/2006/main">
+  <p:cSld>
+    <p:spTree>
+      <p:nvGrpSpPr>
+        <p:cNvPr id="1" name=""/>
+        <p:cNvGrpSpPr/>
+        <p:nvPr/>
+      </p:nvGrpSpPr>
+      <p:grpSpPr>
+        <a:xfrm>
+          <a:off x="0" y="0"/>
+          <a:ext cx="0" cy="0"/>
+          <a:chOff x="0" y="0"/>
+          <a:chExt cx="0" cy="0"/>
+        </a:xfrm>
+      </p:grpSpPr>
+      <p:sp>
+        <p:nvSpPr>
+          <p:cNvPr id="2" name="タイトル 1">
+            <a:extLst>
+              <a:ext uri="{FF2B5EF4-FFF2-40B4-BE49-F238E27FC236}">
+                <a16:creationId xmlns:a16="http://schemas.microsoft.com/office/drawing/2014/main" id="{D752FC40-2337-423C-8289-A9AF4CB51BEF}"/>
+              </a:ext>
+            </a:extLst>
+          </p:cNvPr>
+          <p:cNvSpPr>
+            <a:spLocks noGrp="1"/>
+          </p:cNvSpPr>
+          <p:nvPr>
+            <p:ph type="title"/>
+          </p:nvPr>
+        </p:nvSpPr>
+        <p:spPr>
+          <a:xfrm>
+            <a:off x="838200" y="2766218"/>
+            <a:ext cx="10515600" cy="1325563"/>
+          </a:xfrm>
+        </p:spPr>
+        <p:txBody>
+          <a:bodyPr/>
+          <a:lstStyle/>
+          <a:p>
+            <a:pPr algn="ctr"/>
+            <a:r>
+              <a:rPr kumimoji="1" lang="ja-JP" altLang="en-US" b="1" dirty="0">
+                <a:solidFill>
+                  <a:srgbClr val="9BE1DE"/>
+                </a:solidFill>
+                <a:latin typeface="+mn-ea"/>
+                <a:ea typeface="+mn-ea"/>
+              </a:rPr>
+              <a:t>ご清聴ありがとうございました</a:t>
+            </a:r>
+          </a:p>
+        </p:txBody>
+      </p:sp>
+      <p:sp>
+        <p:nvSpPr>
+          <p:cNvPr id="4" name="フリーフォーム: 図形 3">
+            <a:extLst>
+              <a:ext uri="{FF2B5EF4-FFF2-40B4-BE49-F238E27FC236}">
+                <a16:creationId xmlns:a16="http://schemas.microsoft.com/office/drawing/2014/main" id="{6F27B111-D040-443D-B1D2-B1863D03343E}"/>
+              </a:ext>
+            </a:extLst>
+          </p:cNvPr>
+          <p:cNvSpPr/>
+          <p:nvPr/>
+        </p:nvSpPr>
+        <p:spPr>
+          <a:xfrm>
+            <a:off x="0" y="0"/>
+            <a:ext cx="12192000" cy="6858000"/>
+          </a:xfrm>
+          <a:custGeom>
+            <a:avLst/>
+            <a:gdLst>
+              <a:gd name="connsiteX0" fmla="*/ 545284 w 12192000"/>
+              <a:gd name="connsiteY0" fmla="*/ 432033 h 6858000"/>
+              <a:gd name="connsiteX1" fmla="*/ 545284 w 12192000"/>
+              <a:gd name="connsiteY1" fmla="*/ 6425967 h 6858000"/>
+              <a:gd name="connsiteX2" fmla="*/ 11669086 w 12192000"/>
+              <a:gd name="connsiteY2" fmla="*/ 6425967 h 6858000"/>
+              <a:gd name="connsiteX3" fmla="*/ 11669086 w 12192000"/>
+              <a:gd name="connsiteY3" fmla="*/ 432033 h 6858000"/>
+              <a:gd name="connsiteX4" fmla="*/ 0 w 12192000"/>
+              <a:gd name="connsiteY4" fmla="*/ 0 h 6858000"/>
+              <a:gd name="connsiteX5" fmla="*/ 12192000 w 12192000"/>
+              <a:gd name="connsiteY5" fmla="*/ 0 h 6858000"/>
+              <a:gd name="connsiteX6" fmla="*/ 12192000 w 12192000"/>
+              <a:gd name="connsiteY6" fmla="*/ 6858000 h 6858000"/>
+              <a:gd name="connsiteX7" fmla="*/ 0 w 12192000"/>
+              <a:gd name="connsiteY7" fmla="*/ 6858000 h 6858000"/>
+            </a:gdLst>
+            <a:ahLst/>
+            <a:cxnLst>
+              <a:cxn ang="0">
+                <a:pos x="connsiteX0" y="connsiteY0"/>
+              </a:cxn>
+              <a:cxn ang="0">
+                <a:pos x="connsiteX1" y="connsiteY1"/>
+              </a:cxn>
+              <a:cxn ang="0">
+                <a:pos x="connsiteX2" y="connsiteY2"/>
+              </a:cxn>
+              <a:cxn ang="0">
+                <a:pos x="connsiteX3" y="connsiteY3"/>
+              </a:cxn>
+              <a:cxn ang="0">
+                <a:pos x="connsiteX4" y="connsiteY4"/>
+              </a:cxn>
+              <a:cxn ang="0">
+                <a:pos x="connsiteX5" y="connsiteY5"/>
+              </a:cxn>
+              <a:cxn ang="0">
+                <a:pos x="connsiteX6" y="connsiteY6"/>
+              </a:cxn>
+              <a:cxn ang="0">
+                <a:pos x="connsiteX7" y="connsiteY7"/>
+              </a:cxn>
+            </a:cxnLst>
+            <a:rect l="l" t="t" r="r" b="b"/>
+            <a:pathLst>
+              <a:path w="12192000" h="6858000">
+                <a:moveTo>
+                  <a:pt x="545284" y="432033"/>
+                </a:moveTo>
+                <a:lnTo>
+                  <a:pt x="545284" y="6425967"/>
+                </a:lnTo>
+                <a:lnTo>
+                  <a:pt x="11669086" y="6425967"/>
+                </a:lnTo>
+                <a:lnTo>
+                  <a:pt x="11669086" y="432033"/>
+                </a:lnTo>
+                <a:close/>
+                <a:moveTo>
+                  <a:pt x="0" y="0"/>
+                </a:moveTo>
+                <a:lnTo>
+                  <a:pt x="12192000" y="0"/>
+                </a:lnTo>
+                <a:lnTo>
+                  <a:pt x="12192000" y="6858000"/>
+                </a:lnTo>
+                <a:lnTo>
+                  <a:pt x="0" y="6858000"/>
+                </a:lnTo>
+                <a:close/>
+              </a:path>
+            </a:pathLst>
+          </a:custGeom>
+          <a:solidFill>
+            <a:srgbClr val="CDECEA"/>
+          </a:solidFill>
+          <a:ln>
+            <a:noFill/>
+          </a:ln>
+        </p:spPr>
+        <p:style>
+          <a:lnRef idx="2">
+            <a:schemeClr val="accent1">
+              <a:shade val="50000"/>
+            </a:schemeClr>
+          </a:lnRef>
+          <a:fillRef idx="1">
+            <a:schemeClr val="accent1"/>
+          </a:fillRef>
+          <a:effectRef idx="0">
+            <a:schemeClr val="accent1"/>
+          </a:effectRef>
+          <a:fontRef idx="minor">
+            <a:schemeClr val="lt1"/>
+          </a:fontRef>
+        </p:style>
+        <p:txBody>
+          <a:bodyPr rtlCol="0" anchor="ctr"/>
+          <a:lstStyle/>
+          <a:p>
+            <a:pPr algn="ctr"/>
+            <a:endParaRPr kumimoji="1" lang="ja-JP" altLang="en-US"/>
+          </a:p>
+        </p:txBody>
+      </p:sp>
+    </p:spTree>
+    <p:extLst>
+      <p:ext uri="{BB962C8B-B14F-4D97-AF65-F5344CB8AC3E}">
+        <p14:creationId xmlns:p14="http://schemas.microsoft.com/office/powerpoint/2010/main" val="2378097022"/>
+      </p:ext>
+    </p:extLst>
+  </p:cSld>
+  <p:clrMapOvr>
+    <a:masterClrMapping/>
+  </p:clrMapOvr>
+</p:sld>
+</file>
+
 <file path=ppt/slides/slide2.xml><?xml version="1.0" encoding="utf-8"?>
 <p:sld xmlns:a="http://schemas.openxmlformats.org/drawingml/2006/main" xmlns:r="http://schemas.openxmlformats.org/officeDocument/2006/relationships" xmlns:p="http://schemas.openxmlformats.org/presentationml/2006/main">
   <p:cSld>
@@ -5335,6 +5534,50 @@
           </a:p>
           <a:p>
             <a:pPr marL="0" indent="0">
+              <a:lnSpc>
+                <a:spcPct val="150000"/>
+              </a:lnSpc>
+              <a:buNone/>
+            </a:pPr>
+            <a:r>
+              <a:rPr lang="ja-JP" altLang="en-US" sz="2200" dirty="0">
+                <a:solidFill>
+                  <a:schemeClr val="tx1">
+                    <a:lumMod val="75000"/>
+                    <a:lumOff val="25000"/>
+                  </a:schemeClr>
+                </a:solidFill>
+                <a:latin typeface="+mn-ea"/>
+              </a:rPr>
+              <a:t>「楽しさ」と「健康」＝　</a:t>
+            </a:r>
+            <a:r>
+              <a:rPr lang="en-US" altLang="ja-JP" sz="2200" dirty="0" err="1">
+                <a:solidFill>
+                  <a:schemeClr val="tx1">
+                    <a:lumMod val="75000"/>
+                    <a:lumOff val="25000"/>
+                  </a:schemeClr>
+                </a:solidFill>
+                <a:latin typeface="+mn-ea"/>
+              </a:rPr>
+              <a:t>Health×Happy</a:t>
+            </a:r>
+            <a:endParaRPr lang="en-US" altLang="ja-JP" sz="2200" dirty="0">
+              <a:solidFill>
+                <a:schemeClr val="tx1">
+                  <a:lumMod val="75000"/>
+                  <a:lumOff val="25000"/>
+                </a:schemeClr>
+              </a:solidFill>
+              <a:latin typeface="+mn-ea"/>
+            </a:endParaRPr>
+          </a:p>
+          <a:p>
+            <a:pPr marL="0" indent="0">
+              <a:lnSpc>
+                <a:spcPct val="150000"/>
+              </a:lnSpc>
               <a:buNone/>
             </a:pPr>
             <a:r>
@@ -8098,6 +8341,9 @@
           </a:bodyPr>
           <a:lstStyle/>
           <a:p>
+            <a:pPr marL="0" indent="0" algn="ctr">
+              <a:buNone/>
+            </a:pPr>
             <a:r>
               <a:rPr kumimoji="1" lang="ja-JP" altLang="en-US" sz="2200" dirty="0">
                 <a:solidFill>

--- a/発表資料/発表資料.pptx
+++ b/発表資料/発表資料.pptx
@@ -4,6 +4,9 @@
   <p:sldMasterIdLst>
     <p:sldMasterId id="2147483648" r:id="rId1"/>
   </p:sldMasterIdLst>
+  <p:notesMasterIdLst>
+    <p:notesMasterId r:id="rId14"/>
+  </p:notesMasterIdLst>
   <p:sldIdLst>
     <p:sldId id="256" r:id="rId2"/>
     <p:sldId id="257" r:id="rId3"/>
@@ -121,6 +124,2256 @@
     </p:ext>
   </p:extLst>
 </p:presentation>
+</file>
+
+<file path=ppt/notesMasters/notesMaster1.xml><?xml version="1.0" encoding="utf-8"?>
+<p:notesMaster xmlns:a="http://schemas.openxmlformats.org/drawingml/2006/main" xmlns:r="http://schemas.openxmlformats.org/officeDocument/2006/relationships" xmlns:p="http://schemas.openxmlformats.org/presentationml/2006/main">
+  <p:cSld>
+    <p:bg>
+      <p:bgRef idx="1001">
+        <a:schemeClr val="bg1"/>
+      </p:bgRef>
+    </p:bg>
+    <p:spTree>
+      <p:nvGrpSpPr>
+        <p:cNvPr id="1" name=""/>
+        <p:cNvGrpSpPr/>
+        <p:nvPr/>
+      </p:nvGrpSpPr>
+      <p:grpSpPr>
+        <a:xfrm>
+          <a:off x="0" y="0"/>
+          <a:ext cx="0" cy="0"/>
+          <a:chOff x="0" y="0"/>
+          <a:chExt cx="0" cy="0"/>
+        </a:xfrm>
+      </p:grpSpPr>
+      <p:sp>
+        <p:nvSpPr>
+          <p:cNvPr id="2" name="ヘッダー プレースホルダー 1"/>
+          <p:cNvSpPr>
+            <a:spLocks noGrp="1"/>
+          </p:cNvSpPr>
+          <p:nvPr>
+            <p:ph type="hdr" sz="quarter"/>
+          </p:nvPr>
+        </p:nvSpPr>
+        <p:spPr>
+          <a:xfrm>
+            <a:off x="0" y="0"/>
+            <a:ext cx="2971800" cy="458788"/>
+          </a:xfrm>
+          <a:prstGeom prst="rect">
+            <a:avLst/>
+          </a:prstGeom>
+        </p:spPr>
+        <p:txBody>
+          <a:bodyPr vert="horz" lIns="91440" tIns="45720" rIns="91440" bIns="45720" rtlCol="0"/>
+          <a:lstStyle>
+            <a:lvl1pPr algn="l">
+              <a:defRPr sz="1200"/>
+            </a:lvl1pPr>
+          </a:lstStyle>
+          <a:p>
+            <a:endParaRPr kumimoji="1" lang="ja-JP" altLang="en-US"/>
+          </a:p>
+        </p:txBody>
+      </p:sp>
+      <p:sp>
+        <p:nvSpPr>
+          <p:cNvPr id="3" name="日付プレースホルダー 2"/>
+          <p:cNvSpPr>
+            <a:spLocks noGrp="1"/>
+          </p:cNvSpPr>
+          <p:nvPr>
+            <p:ph type="dt" idx="1"/>
+          </p:nvPr>
+        </p:nvSpPr>
+        <p:spPr>
+          <a:xfrm>
+            <a:off x="3884613" y="0"/>
+            <a:ext cx="2971800" cy="458788"/>
+          </a:xfrm>
+          <a:prstGeom prst="rect">
+            <a:avLst/>
+          </a:prstGeom>
+        </p:spPr>
+        <p:txBody>
+          <a:bodyPr vert="horz" lIns="91440" tIns="45720" rIns="91440" bIns="45720" rtlCol="0"/>
+          <a:lstStyle>
+            <a:lvl1pPr algn="r">
+              <a:defRPr sz="1200"/>
+            </a:lvl1pPr>
+          </a:lstStyle>
+          <a:p>
+            <a:fld id="{AFF269EF-FBF2-4A66-91EA-E5F66BAD27F7}" type="datetimeFigureOut">
+              <a:rPr kumimoji="1" lang="ja-JP" altLang="en-US" smtClean="0"/>
+              <a:t>2021/5/28</a:t>
+            </a:fld>
+            <a:endParaRPr kumimoji="1" lang="ja-JP" altLang="en-US"/>
+          </a:p>
+        </p:txBody>
+      </p:sp>
+      <p:sp>
+        <p:nvSpPr>
+          <p:cNvPr id="4" name="スライド イメージ プレースホルダー 3"/>
+          <p:cNvSpPr>
+            <a:spLocks noGrp="1" noRot="1" noChangeAspect="1"/>
+          </p:cNvSpPr>
+          <p:nvPr>
+            <p:ph type="sldImg" idx="2"/>
+          </p:nvPr>
+        </p:nvSpPr>
+        <p:spPr>
+          <a:xfrm>
+            <a:off x="685800" y="1143000"/>
+            <a:ext cx="5486400" cy="3086100"/>
+          </a:xfrm>
+          <a:prstGeom prst="rect">
+            <a:avLst/>
+          </a:prstGeom>
+          <a:noFill/>
+          <a:ln w="12700">
+            <a:solidFill>
+              <a:prstClr val="black"/>
+            </a:solidFill>
+          </a:ln>
+        </p:spPr>
+        <p:txBody>
+          <a:bodyPr vert="horz" lIns="91440" tIns="45720" rIns="91440" bIns="45720" rtlCol="0" anchor="ctr"/>
+          <a:lstStyle/>
+          <a:p>
+            <a:endParaRPr lang="ja-JP" altLang="en-US"/>
+          </a:p>
+        </p:txBody>
+      </p:sp>
+      <p:sp>
+        <p:nvSpPr>
+          <p:cNvPr id="5" name="ノート プレースホルダー 4"/>
+          <p:cNvSpPr>
+            <a:spLocks noGrp="1"/>
+          </p:cNvSpPr>
+          <p:nvPr>
+            <p:ph type="body" sz="quarter" idx="3"/>
+          </p:nvPr>
+        </p:nvSpPr>
+        <p:spPr>
+          <a:xfrm>
+            <a:off x="685800" y="4400550"/>
+            <a:ext cx="5486400" cy="3600450"/>
+          </a:xfrm>
+          <a:prstGeom prst="rect">
+            <a:avLst/>
+          </a:prstGeom>
+        </p:spPr>
+        <p:txBody>
+          <a:bodyPr vert="horz" lIns="91440" tIns="45720" rIns="91440" bIns="45720" rtlCol="0"/>
+          <a:lstStyle/>
+          <a:p>
+            <a:pPr lvl="0"/>
+            <a:r>
+              <a:rPr kumimoji="1" lang="ja-JP" altLang="en-US"/>
+              <a:t>マスター テキストの書式設定</a:t>
+            </a:r>
+          </a:p>
+          <a:p>
+            <a:pPr lvl="1"/>
+            <a:r>
+              <a:rPr kumimoji="1" lang="ja-JP" altLang="en-US"/>
+              <a:t>第 </a:t>
+            </a:r>
+            <a:r>
+              <a:rPr kumimoji="1" lang="en-US" altLang="ja-JP"/>
+              <a:t>2 </a:t>
+            </a:r>
+            <a:r>
+              <a:rPr kumimoji="1" lang="ja-JP" altLang="en-US"/>
+              <a:t>レベル</a:t>
+            </a:r>
+          </a:p>
+          <a:p>
+            <a:pPr lvl="2"/>
+            <a:r>
+              <a:rPr kumimoji="1" lang="ja-JP" altLang="en-US"/>
+              <a:t>第 </a:t>
+            </a:r>
+            <a:r>
+              <a:rPr kumimoji="1" lang="en-US" altLang="ja-JP"/>
+              <a:t>3 </a:t>
+            </a:r>
+            <a:r>
+              <a:rPr kumimoji="1" lang="ja-JP" altLang="en-US"/>
+              <a:t>レベル</a:t>
+            </a:r>
+          </a:p>
+          <a:p>
+            <a:pPr lvl="3"/>
+            <a:r>
+              <a:rPr kumimoji="1" lang="ja-JP" altLang="en-US"/>
+              <a:t>第 </a:t>
+            </a:r>
+            <a:r>
+              <a:rPr kumimoji="1" lang="en-US" altLang="ja-JP"/>
+              <a:t>4 </a:t>
+            </a:r>
+            <a:r>
+              <a:rPr kumimoji="1" lang="ja-JP" altLang="en-US"/>
+              <a:t>レベル</a:t>
+            </a:r>
+          </a:p>
+          <a:p>
+            <a:pPr lvl="4"/>
+            <a:r>
+              <a:rPr kumimoji="1" lang="ja-JP" altLang="en-US"/>
+              <a:t>第 </a:t>
+            </a:r>
+            <a:r>
+              <a:rPr kumimoji="1" lang="en-US" altLang="ja-JP"/>
+              <a:t>5 </a:t>
+            </a:r>
+            <a:r>
+              <a:rPr kumimoji="1" lang="ja-JP" altLang="en-US"/>
+              <a:t>レベル</a:t>
+            </a:r>
+          </a:p>
+        </p:txBody>
+      </p:sp>
+      <p:sp>
+        <p:nvSpPr>
+          <p:cNvPr id="6" name="フッター プレースホルダー 5"/>
+          <p:cNvSpPr>
+            <a:spLocks noGrp="1"/>
+          </p:cNvSpPr>
+          <p:nvPr>
+            <p:ph type="ftr" sz="quarter" idx="4"/>
+          </p:nvPr>
+        </p:nvSpPr>
+        <p:spPr>
+          <a:xfrm>
+            <a:off x="0" y="8685213"/>
+            <a:ext cx="2971800" cy="458787"/>
+          </a:xfrm>
+          <a:prstGeom prst="rect">
+            <a:avLst/>
+          </a:prstGeom>
+        </p:spPr>
+        <p:txBody>
+          <a:bodyPr vert="horz" lIns="91440" tIns="45720" rIns="91440" bIns="45720" rtlCol="0" anchor="b"/>
+          <a:lstStyle>
+            <a:lvl1pPr algn="l">
+              <a:defRPr sz="1200"/>
+            </a:lvl1pPr>
+          </a:lstStyle>
+          <a:p>
+            <a:endParaRPr kumimoji="1" lang="ja-JP" altLang="en-US"/>
+          </a:p>
+        </p:txBody>
+      </p:sp>
+      <p:sp>
+        <p:nvSpPr>
+          <p:cNvPr id="7" name="スライド番号プレースホルダー 6"/>
+          <p:cNvSpPr>
+            <a:spLocks noGrp="1"/>
+          </p:cNvSpPr>
+          <p:nvPr>
+            <p:ph type="sldNum" sz="quarter" idx="5"/>
+          </p:nvPr>
+        </p:nvSpPr>
+        <p:spPr>
+          <a:xfrm>
+            <a:off x="3884613" y="8685213"/>
+            <a:ext cx="2971800" cy="458787"/>
+          </a:xfrm>
+          <a:prstGeom prst="rect">
+            <a:avLst/>
+          </a:prstGeom>
+        </p:spPr>
+        <p:txBody>
+          <a:bodyPr vert="horz" lIns="91440" tIns="45720" rIns="91440" bIns="45720" rtlCol="0" anchor="b"/>
+          <a:lstStyle>
+            <a:lvl1pPr algn="r">
+              <a:defRPr sz="1200"/>
+            </a:lvl1pPr>
+          </a:lstStyle>
+          <a:p>
+            <a:fld id="{614725AF-2497-45A1-A451-4D22A5AD5DB3}" type="slidenum">
+              <a:rPr kumimoji="1" lang="ja-JP" altLang="en-US" smtClean="0"/>
+              <a:t>‹#›</a:t>
+            </a:fld>
+            <a:endParaRPr kumimoji="1" lang="ja-JP" altLang="en-US"/>
+          </a:p>
+        </p:txBody>
+      </p:sp>
+    </p:spTree>
+    <p:extLst>
+      <p:ext uri="{BB962C8B-B14F-4D97-AF65-F5344CB8AC3E}">
+        <p14:creationId xmlns:p14="http://schemas.microsoft.com/office/powerpoint/2010/main" val="2979958450"/>
+      </p:ext>
+    </p:extLst>
+  </p:cSld>
+  <p:clrMap bg1="lt1" tx1="dk1" bg2="lt2" tx2="dk2" accent1="accent1" accent2="accent2" accent3="accent3" accent4="accent4" accent5="accent5" accent6="accent6" hlink="hlink" folHlink="folHlink"/>
+  <p:notesStyle>
+    <a:lvl1pPr marL="0" algn="l" defTabSz="914400" rtl="0" eaLnBrk="1" latinLnBrk="0" hangingPunct="1">
+      <a:defRPr kumimoji="1" sz="1200" kern="1200">
+        <a:solidFill>
+          <a:schemeClr val="tx1"/>
+        </a:solidFill>
+        <a:latin typeface="+mn-lt"/>
+        <a:ea typeface="+mn-ea"/>
+        <a:cs typeface="+mn-cs"/>
+      </a:defRPr>
+    </a:lvl1pPr>
+    <a:lvl2pPr marL="457200" algn="l" defTabSz="914400" rtl="0" eaLnBrk="1" latinLnBrk="0" hangingPunct="1">
+      <a:defRPr kumimoji="1" sz="1200" kern="1200">
+        <a:solidFill>
+          <a:schemeClr val="tx1"/>
+        </a:solidFill>
+        <a:latin typeface="+mn-lt"/>
+        <a:ea typeface="+mn-ea"/>
+        <a:cs typeface="+mn-cs"/>
+      </a:defRPr>
+    </a:lvl2pPr>
+    <a:lvl3pPr marL="914400" algn="l" defTabSz="914400" rtl="0" eaLnBrk="1" latinLnBrk="0" hangingPunct="1">
+      <a:defRPr kumimoji="1" sz="1200" kern="1200">
+        <a:solidFill>
+          <a:schemeClr val="tx1"/>
+        </a:solidFill>
+        <a:latin typeface="+mn-lt"/>
+        <a:ea typeface="+mn-ea"/>
+        <a:cs typeface="+mn-cs"/>
+      </a:defRPr>
+    </a:lvl3pPr>
+    <a:lvl4pPr marL="1371600" algn="l" defTabSz="914400" rtl="0" eaLnBrk="1" latinLnBrk="0" hangingPunct="1">
+      <a:defRPr kumimoji="1" sz="1200" kern="1200">
+        <a:solidFill>
+          <a:schemeClr val="tx1"/>
+        </a:solidFill>
+        <a:latin typeface="+mn-lt"/>
+        <a:ea typeface="+mn-ea"/>
+        <a:cs typeface="+mn-cs"/>
+      </a:defRPr>
+    </a:lvl4pPr>
+    <a:lvl5pPr marL="1828800" algn="l" defTabSz="914400" rtl="0" eaLnBrk="1" latinLnBrk="0" hangingPunct="1">
+      <a:defRPr kumimoji="1" sz="1200" kern="1200">
+        <a:solidFill>
+          <a:schemeClr val="tx1"/>
+        </a:solidFill>
+        <a:latin typeface="+mn-lt"/>
+        <a:ea typeface="+mn-ea"/>
+        <a:cs typeface="+mn-cs"/>
+      </a:defRPr>
+    </a:lvl5pPr>
+    <a:lvl6pPr marL="2286000" algn="l" defTabSz="914400" rtl="0" eaLnBrk="1" latinLnBrk="0" hangingPunct="1">
+      <a:defRPr kumimoji="1" sz="1200" kern="1200">
+        <a:solidFill>
+          <a:schemeClr val="tx1"/>
+        </a:solidFill>
+        <a:latin typeface="+mn-lt"/>
+        <a:ea typeface="+mn-ea"/>
+        <a:cs typeface="+mn-cs"/>
+      </a:defRPr>
+    </a:lvl6pPr>
+    <a:lvl7pPr marL="2743200" algn="l" defTabSz="914400" rtl="0" eaLnBrk="1" latinLnBrk="0" hangingPunct="1">
+      <a:defRPr kumimoji="1" sz="1200" kern="1200">
+        <a:solidFill>
+          <a:schemeClr val="tx1"/>
+        </a:solidFill>
+        <a:latin typeface="+mn-lt"/>
+        <a:ea typeface="+mn-ea"/>
+        <a:cs typeface="+mn-cs"/>
+      </a:defRPr>
+    </a:lvl7pPr>
+    <a:lvl8pPr marL="3200400" algn="l" defTabSz="914400" rtl="0" eaLnBrk="1" latinLnBrk="0" hangingPunct="1">
+      <a:defRPr kumimoji="1" sz="1200" kern="1200">
+        <a:solidFill>
+          <a:schemeClr val="tx1"/>
+        </a:solidFill>
+        <a:latin typeface="+mn-lt"/>
+        <a:ea typeface="+mn-ea"/>
+        <a:cs typeface="+mn-cs"/>
+      </a:defRPr>
+    </a:lvl8pPr>
+    <a:lvl9pPr marL="3657600" algn="l" defTabSz="914400" rtl="0" eaLnBrk="1" latinLnBrk="0" hangingPunct="1">
+      <a:defRPr kumimoji="1" sz="1200" kern="1200">
+        <a:solidFill>
+          <a:schemeClr val="tx1"/>
+        </a:solidFill>
+        <a:latin typeface="+mn-lt"/>
+        <a:ea typeface="+mn-ea"/>
+        <a:cs typeface="+mn-cs"/>
+      </a:defRPr>
+    </a:lvl9pPr>
+  </p:notesStyle>
+</p:notesMaster>
+</file>
+
+<file path=ppt/notesSlides/notesSlide1.xml><?xml version="1.0" encoding="utf-8"?>
+<p:notes xmlns:a="http://schemas.openxmlformats.org/drawingml/2006/main" xmlns:r="http://schemas.openxmlformats.org/officeDocument/2006/relationships" xmlns:p="http://schemas.openxmlformats.org/presentationml/2006/main">
+  <p:cSld>
+    <p:spTree>
+      <p:nvGrpSpPr>
+        <p:cNvPr id="1" name=""/>
+        <p:cNvGrpSpPr/>
+        <p:nvPr/>
+      </p:nvGrpSpPr>
+      <p:grpSpPr>
+        <a:xfrm>
+          <a:off x="0" y="0"/>
+          <a:ext cx="0" cy="0"/>
+          <a:chOff x="0" y="0"/>
+          <a:chExt cx="0" cy="0"/>
+        </a:xfrm>
+      </p:grpSpPr>
+      <p:sp>
+        <p:nvSpPr>
+          <p:cNvPr id="2" name="スライド イメージ プレースホルダー 1"/>
+          <p:cNvSpPr>
+            <a:spLocks noGrp="1" noRot="1" noChangeAspect="1"/>
+          </p:cNvSpPr>
+          <p:nvPr>
+            <p:ph type="sldImg"/>
+          </p:nvPr>
+        </p:nvSpPr>
+        <p:spPr/>
+      </p:sp>
+      <p:sp>
+        <p:nvSpPr>
+          <p:cNvPr id="3" name="ノート プレースホルダー 2"/>
+          <p:cNvSpPr>
+            <a:spLocks noGrp="1"/>
+          </p:cNvSpPr>
+          <p:nvPr>
+            <p:ph type="body" idx="1"/>
+          </p:nvPr>
+        </p:nvSpPr>
+        <p:spPr/>
+        <p:txBody>
+          <a:bodyPr/>
+          <a:lstStyle/>
+          <a:p>
+            <a:r>
+              <a:rPr kumimoji="1" lang="ja-JP" altLang="ja-JP" sz="1200" kern="1200" dirty="0">
+                <a:solidFill>
+                  <a:schemeClr val="tx1"/>
+                </a:solidFill>
+                <a:effectLst/>
+                <a:latin typeface="+mn-lt"/>
+                <a:ea typeface="+mn-ea"/>
+                <a:cs typeface="+mn-cs"/>
+              </a:rPr>
+              <a:t>チーム乙女の発表を始めさせていただきます。</a:t>
+            </a:r>
+          </a:p>
+          <a:p>
+            <a:r>
+              <a:rPr kumimoji="1" lang="ja-JP" altLang="ja-JP" sz="1200" kern="1200" dirty="0">
+                <a:solidFill>
+                  <a:schemeClr val="tx1"/>
+                </a:solidFill>
+                <a:effectLst/>
+                <a:latin typeface="+mn-lt"/>
+                <a:ea typeface="+mn-ea"/>
+                <a:cs typeface="+mn-cs"/>
+              </a:rPr>
+              <a:t>メンバーは豊島と畑本です。</a:t>
+            </a:r>
+          </a:p>
+          <a:p>
+            <a:r>
+              <a:rPr kumimoji="1" lang="ja-JP" altLang="ja-JP" sz="1200" kern="1200" dirty="0">
+                <a:solidFill>
+                  <a:schemeClr val="tx1"/>
+                </a:solidFill>
+                <a:effectLst/>
+                <a:latin typeface="+mn-lt"/>
+                <a:ea typeface="+mn-ea"/>
+                <a:cs typeface="+mn-cs"/>
+              </a:rPr>
+              <a:t>よろしくお願いいたします。</a:t>
+            </a:r>
+          </a:p>
+          <a:p>
+            <a:endParaRPr kumimoji="1" lang="ja-JP" altLang="en-US" dirty="0"/>
+          </a:p>
+        </p:txBody>
+      </p:sp>
+      <p:sp>
+        <p:nvSpPr>
+          <p:cNvPr id="4" name="スライド番号プレースホルダー 3"/>
+          <p:cNvSpPr>
+            <a:spLocks noGrp="1"/>
+          </p:cNvSpPr>
+          <p:nvPr>
+            <p:ph type="sldNum" sz="quarter" idx="5"/>
+          </p:nvPr>
+        </p:nvSpPr>
+        <p:spPr/>
+        <p:txBody>
+          <a:bodyPr/>
+          <a:lstStyle/>
+          <a:p>
+            <a:fld id="{614725AF-2497-45A1-A451-4D22A5AD5DB3}" type="slidenum">
+              <a:rPr kumimoji="1" lang="ja-JP" altLang="en-US" smtClean="0"/>
+              <a:t>1</a:t>
+            </a:fld>
+            <a:endParaRPr kumimoji="1" lang="ja-JP" altLang="en-US"/>
+          </a:p>
+        </p:txBody>
+      </p:sp>
+    </p:spTree>
+    <p:extLst>
+      <p:ext uri="{BB962C8B-B14F-4D97-AF65-F5344CB8AC3E}">
+        <p14:creationId xmlns:p14="http://schemas.microsoft.com/office/powerpoint/2010/main" val="3995618002"/>
+      </p:ext>
+    </p:extLst>
+  </p:cSld>
+  <p:clrMapOvr>
+    <a:masterClrMapping/>
+  </p:clrMapOvr>
+</p:notes>
+</file>
+
+<file path=ppt/notesSlides/notesSlide10.xml><?xml version="1.0" encoding="utf-8"?>
+<p:notes xmlns:a="http://schemas.openxmlformats.org/drawingml/2006/main" xmlns:r="http://schemas.openxmlformats.org/officeDocument/2006/relationships" xmlns:p="http://schemas.openxmlformats.org/presentationml/2006/main">
+  <p:cSld>
+    <p:spTree>
+      <p:nvGrpSpPr>
+        <p:cNvPr id="1" name=""/>
+        <p:cNvGrpSpPr/>
+        <p:nvPr/>
+      </p:nvGrpSpPr>
+      <p:grpSpPr>
+        <a:xfrm>
+          <a:off x="0" y="0"/>
+          <a:ext cx="0" cy="0"/>
+          <a:chOff x="0" y="0"/>
+          <a:chExt cx="0" cy="0"/>
+        </a:xfrm>
+      </p:grpSpPr>
+      <p:sp>
+        <p:nvSpPr>
+          <p:cNvPr id="2" name="スライド イメージ プレースホルダー 1"/>
+          <p:cNvSpPr>
+            <a:spLocks noGrp="1" noRot="1" noChangeAspect="1"/>
+          </p:cNvSpPr>
+          <p:nvPr>
+            <p:ph type="sldImg"/>
+          </p:nvPr>
+        </p:nvSpPr>
+        <p:spPr/>
+      </p:sp>
+      <p:sp>
+        <p:nvSpPr>
+          <p:cNvPr id="3" name="ノート プレースホルダー 2"/>
+          <p:cNvSpPr>
+            <a:spLocks noGrp="1"/>
+          </p:cNvSpPr>
+          <p:nvPr>
+            <p:ph type="body" idx="1"/>
+          </p:nvPr>
+        </p:nvSpPr>
+        <p:spPr/>
+        <p:txBody>
+          <a:bodyPr/>
+          <a:lstStyle/>
+          <a:p>
+            <a:r>
+              <a:rPr kumimoji="1" lang="ja-JP" altLang="ja-JP" sz="1200" kern="1200" dirty="0">
+                <a:solidFill>
+                  <a:schemeClr val="tx1"/>
+                </a:solidFill>
+                <a:effectLst/>
+                <a:latin typeface="+mn-lt"/>
+                <a:ea typeface="+mn-ea"/>
+                <a:cs typeface="+mn-cs"/>
+              </a:rPr>
+              <a:t>続いて、畑本が発表します。</a:t>
+            </a:r>
+          </a:p>
+          <a:p>
+            <a:r>
+              <a:rPr kumimoji="1" lang="ja-JP" altLang="ja-JP" sz="1200" kern="1200" dirty="0">
+                <a:solidFill>
+                  <a:schemeClr val="tx1"/>
+                </a:solidFill>
+                <a:effectLst/>
+                <a:latin typeface="+mn-lt"/>
+                <a:ea typeface="+mn-ea"/>
+                <a:cs typeface="+mn-cs"/>
+              </a:rPr>
+              <a:t>苦労した点は、ダイアログの実装です。３つのダイアログを続けて表示させる処理を書くのにとても苦労しました。</a:t>
+            </a:r>
+          </a:p>
+          <a:p>
+            <a:r>
+              <a:rPr kumimoji="1" lang="ja-JP" altLang="ja-JP" sz="1200" kern="1200" dirty="0">
+                <a:solidFill>
+                  <a:schemeClr val="tx1"/>
+                </a:solidFill>
+                <a:effectLst/>
+                <a:latin typeface="+mn-lt"/>
+                <a:ea typeface="+mn-ea"/>
+                <a:cs typeface="+mn-cs"/>
+              </a:rPr>
+              <a:t>工夫した点は、レシピ機能です。目標体重の有無によって表示させるレシピをヘルシーなレシピと通常のレシピに分けました。また、レシピはランダムに表示させるようにしました。</a:t>
+            </a:r>
+          </a:p>
+          <a:p>
+            <a:r>
+              <a:rPr kumimoji="1" lang="ja-JP" altLang="ja-JP" sz="1200" kern="1200" dirty="0">
+                <a:solidFill>
+                  <a:schemeClr val="tx1"/>
+                </a:solidFill>
+                <a:effectLst/>
+                <a:latin typeface="+mn-lt"/>
+                <a:ea typeface="+mn-ea"/>
+                <a:cs typeface="+mn-cs"/>
+              </a:rPr>
+              <a:t>反省点は、登録情報変更のテスト中に入力チェックやアラートのバグが見つかり、開発の段階での詰めが甘かったと感じました。</a:t>
+            </a:r>
+          </a:p>
+          <a:p>
+            <a:endParaRPr kumimoji="1" lang="ja-JP" altLang="en-US" dirty="0"/>
+          </a:p>
+        </p:txBody>
+      </p:sp>
+      <p:sp>
+        <p:nvSpPr>
+          <p:cNvPr id="4" name="スライド番号プレースホルダー 3"/>
+          <p:cNvSpPr>
+            <a:spLocks noGrp="1"/>
+          </p:cNvSpPr>
+          <p:nvPr>
+            <p:ph type="sldNum" sz="quarter" idx="5"/>
+          </p:nvPr>
+        </p:nvSpPr>
+        <p:spPr/>
+        <p:txBody>
+          <a:bodyPr/>
+          <a:lstStyle/>
+          <a:p>
+            <a:fld id="{614725AF-2497-45A1-A451-4D22A5AD5DB3}" type="slidenum">
+              <a:rPr kumimoji="1" lang="ja-JP" altLang="en-US" smtClean="0"/>
+              <a:t>10</a:t>
+            </a:fld>
+            <a:endParaRPr kumimoji="1" lang="ja-JP" altLang="en-US"/>
+          </a:p>
+        </p:txBody>
+      </p:sp>
+    </p:spTree>
+    <p:extLst>
+      <p:ext uri="{BB962C8B-B14F-4D97-AF65-F5344CB8AC3E}">
+        <p14:creationId xmlns:p14="http://schemas.microsoft.com/office/powerpoint/2010/main" val="126179980"/>
+      </p:ext>
+    </p:extLst>
+  </p:cSld>
+  <p:clrMapOvr>
+    <a:masterClrMapping/>
+  </p:clrMapOvr>
+</p:notes>
+</file>
+
+<file path=ppt/notesSlides/notesSlide11.xml><?xml version="1.0" encoding="utf-8"?>
+<p:notes xmlns:a="http://schemas.openxmlformats.org/drawingml/2006/main" xmlns:r="http://schemas.openxmlformats.org/officeDocument/2006/relationships" xmlns:p="http://schemas.openxmlformats.org/presentationml/2006/main">
+  <p:cSld>
+    <p:spTree>
+      <p:nvGrpSpPr>
+        <p:cNvPr id="1" name=""/>
+        <p:cNvGrpSpPr/>
+        <p:nvPr/>
+      </p:nvGrpSpPr>
+      <p:grpSpPr>
+        <a:xfrm>
+          <a:off x="0" y="0"/>
+          <a:ext cx="0" cy="0"/>
+          <a:chOff x="0" y="0"/>
+          <a:chExt cx="0" cy="0"/>
+        </a:xfrm>
+      </p:grpSpPr>
+      <p:sp>
+        <p:nvSpPr>
+          <p:cNvPr id="2" name="スライド イメージ プレースホルダー 1"/>
+          <p:cNvSpPr>
+            <a:spLocks noGrp="1" noRot="1" noChangeAspect="1"/>
+          </p:cNvSpPr>
+          <p:nvPr>
+            <p:ph type="sldImg"/>
+          </p:nvPr>
+        </p:nvSpPr>
+        <p:spPr/>
+      </p:sp>
+      <p:sp>
+        <p:nvSpPr>
+          <p:cNvPr id="3" name="ノート プレースホルダー 2"/>
+          <p:cNvSpPr>
+            <a:spLocks noGrp="1"/>
+          </p:cNvSpPr>
+          <p:nvPr>
+            <p:ph type="body" idx="1"/>
+          </p:nvPr>
+        </p:nvSpPr>
+        <p:spPr/>
+        <p:txBody>
+          <a:bodyPr/>
+          <a:lstStyle/>
+          <a:p>
+            <a:r>
+              <a:rPr kumimoji="1" lang="ja-JP" altLang="ja-JP" sz="1200" kern="1200" dirty="0">
+                <a:solidFill>
+                  <a:schemeClr val="tx1"/>
+                </a:solidFill>
+                <a:effectLst/>
+                <a:latin typeface="+mn-lt"/>
+                <a:ea typeface="+mn-ea"/>
+                <a:cs typeface="+mn-cs"/>
+              </a:rPr>
+              <a:t>最後にこのチーム開発を振り返って、</a:t>
+            </a:r>
+            <a:r>
+              <a:rPr kumimoji="1" lang="en-US" altLang="ja-JP" sz="1200" kern="1200" dirty="0">
+                <a:solidFill>
+                  <a:schemeClr val="tx1"/>
+                </a:solidFill>
+                <a:effectLst/>
+                <a:latin typeface="+mn-lt"/>
+                <a:ea typeface="+mn-ea"/>
+                <a:cs typeface="+mn-cs"/>
+              </a:rPr>
+              <a:t>11</a:t>
+            </a:r>
+            <a:r>
+              <a:rPr kumimoji="1" lang="ja-JP" altLang="ja-JP" sz="1200" kern="1200" dirty="0">
+                <a:solidFill>
+                  <a:schemeClr val="tx1"/>
+                </a:solidFill>
+                <a:effectLst/>
+                <a:latin typeface="+mn-lt"/>
+                <a:ea typeface="+mn-ea"/>
+                <a:cs typeface="+mn-cs"/>
+              </a:rPr>
+              <a:t>日間という短い期間ではありましたが、メンバーと役割を分担し分からないところは補い合いながらアプリケーションを開発することができました。</a:t>
+            </a:r>
+          </a:p>
+          <a:p>
+            <a:r>
+              <a:rPr kumimoji="1" lang="ja-JP" altLang="ja-JP" sz="1200" kern="1200" dirty="0">
+                <a:solidFill>
+                  <a:schemeClr val="tx1"/>
+                </a:solidFill>
+                <a:effectLst/>
+                <a:latin typeface="+mn-lt"/>
+                <a:ea typeface="+mn-ea"/>
+                <a:cs typeface="+mn-cs"/>
+              </a:rPr>
+              <a:t>楽しく開発しながらプログラミングの知識も身につけ、チームで開発することの楽しさも学ぶことができた貴重な時間でした。</a:t>
+            </a:r>
+          </a:p>
+          <a:p>
+            <a:r>
+              <a:rPr kumimoji="1" lang="ja-JP" altLang="ja-JP" sz="1200" kern="1200" dirty="0">
+                <a:solidFill>
+                  <a:schemeClr val="tx1"/>
+                </a:solidFill>
+                <a:effectLst/>
+                <a:latin typeface="+mn-lt"/>
+                <a:ea typeface="+mn-ea"/>
+                <a:cs typeface="+mn-cs"/>
+              </a:rPr>
+              <a:t>このチーム開発演習の学びをこれからの業務に生かしていきたいと思います。</a:t>
+            </a:r>
+          </a:p>
+          <a:p>
+            <a:endParaRPr kumimoji="1" lang="ja-JP" altLang="ja-JP" sz="1200" kern="1200" dirty="0">
+              <a:solidFill>
+                <a:schemeClr val="tx1"/>
+              </a:solidFill>
+              <a:effectLst/>
+              <a:latin typeface="+mn-lt"/>
+              <a:ea typeface="+mn-ea"/>
+              <a:cs typeface="+mn-cs"/>
+            </a:endParaRPr>
+          </a:p>
+        </p:txBody>
+      </p:sp>
+      <p:sp>
+        <p:nvSpPr>
+          <p:cNvPr id="4" name="スライド番号プレースホルダー 3"/>
+          <p:cNvSpPr>
+            <a:spLocks noGrp="1"/>
+          </p:cNvSpPr>
+          <p:nvPr>
+            <p:ph type="sldNum" sz="quarter" idx="5"/>
+          </p:nvPr>
+        </p:nvSpPr>
+        <p:spPr/>
+        <p:txBody>
+          <a:bodyPr/>
+          <a:lstStyle/>
+          <a:p>
+            <a:fld id="{614725AF-2497-45A1-A451-4D22A5AD5DB3}" type="slidenum">
+              <a:rPr kumimoji="1" lang="ja-JP" altLang="en-US" smtClean="0"/>
+              <a:t>11</a:t>
+            </a:fld>
+            <a:endParaRPr kumimoji="1" lang="ja-JP" altLang="en-US"/>
+          </a:p>
+        </p:txBody>
+      </p:sp>
+    </p:spTree>
+    <p:extLst>
+      <p:ext uri="{BB962C8B-B14F-4D97-AF65-F5344CB8AC3E}">
+        <p14:creationId xmlns:p14="http://schemas.microsoft.com/office/powerpoint/2010/main" val="3542106123"/>
+      </p:ext>
+    </p:extLst>
+  </p:cSld>
+  <p:clrMapOvr>
+    <a:masterClrMapping/>
+  </p:clrMapOvr>
+</p:notes>
+</file>
+
+<file path=ppt/notesSlides/notesSlide12.xml><?xml version="1.0" encoding="utf-8"?>
+<p:notes xmlns:a="http://schemas.openxmlformats.org/drawingml/2006/main" xmlns:r="http://schemas.openxmlformats.org/officeDocument/2006/relationships" xmlns:p="http://schemas.openxmlformats.org/presentationml/2006/main">
+  <p:cSld>
+    <p:spTree>
+      <p:nvGrpSpPr>
+        <p:cNvPr id="1" name=""/>
+        <p:cNvGrpSpPr/>
+        <p:nvPr/>
+      </p:nvGrpSpPr>
+      <p:grpSpPr>
+        <a:xfrm>
+          <a:off x="0" y="0"/>
+          <a:ext cx="0" cy="0"/>
+          <a:chOff x="0" y="0"/>
+          <a:chExt cx="0" cy="0"/>
+        </a:xfrm>
+      </p:grpSpPr>
+      <p:sp>
+        <p:nvSpPr>
+          <p:cNvPr id="2" name="スライド イメージ プレースホルダー 1"/>
+          <p:cNvSpPr>
+            <a:spLocks noGrp="1" noRot="1" noChangeAspect="1"/>
+          </p:cNvSpPr>
+          <p:nvPr>
+            <p:ph type="sldImg"/>
+          </p:nvPr>
+        </p:nvSpPr>
+        <p:spPr/>
+      </p:sp>
+      <p:sp>
+        <p:nvSpPr>
+          <p:cNvPr id="3" name="ノート プレースホルダー 2"/>
+          <p:cNvSpPr>
+            <a:spLocks noGrp="1"/>
+          </p:cNvSpPr>
+          <p:nvPr>
+            <p:ph type="body" idx="1"/>
+          </p:nvPr>
+        </p:nvSpPr>
+        <p:spPr/>
+        <p:txBody>
+          <a:bodyPr/>
+          <a:lstStyle/>
+          <a:p>
+            <a:r>
+              <a:rPr kumimoji="1" lang="ja-JP" altLang="ja-JP" sz="1200" kern="1200" dirty="0">
+                <a:solidFill>
+                  <a:schemeClr val="tx1"/>
+                </a:solidFill>
+                <a:effectLst/>
+                <a:latin typeface="+mn-lt"/>
+                <a:ea typeface="+mn-ea"/>
+                <a:cs typeface="+mn-cs"/>
+              </a:rPr>
+              <a:t>以上で、チーム乙女の発表を終了します。</a:t>
+            </a:r>
+          </a:p>
+          <a:p>
+            <a:r>
+              <a:rPr kumimoji="1" lang="ja-JP" altLang="ja-JP" sz="1200" kern="1200" dirty="0">
+                <a:solidFill>
+                  <a:schemeClr val="tx1"/>
+                </a:solidFill>
+                <a:effectLst/>
+                <a:latin typeface="+mn-lt"/>
+                <a:ea typeface="+mn-ea"/>
+                <a:cs typeface="+mn-cs"/>
+              </a:rPr>
+              <a:t>ご清聴ありがとうございました。</a:t>
+            </a:r>
+          </a:p>
+          <a:p>
+            <a:endParaRPr kumimoji="1" lang="ja-JP" altLang="en-US" dirty="0"/>
+          </a:p>
+        </p:txBody>
+      </p:sp>
+      <p:sp>
+        <p:nvSpPr>
+          <p:cNvPr id="4" name="スライド番号プレースホルダー 3"/>
+          <p:cNvSpPr>
+            <a:spLocks noGrp="1"/>
+          </p:cNvSpPr>
+          <p:nvPr>
+            <p:ph type="sldNum" sz="quarter" idx="5"/>
+          </p:nvPr>
+        </p:nvSpPr>
+        <p:spPr/>
+        <p:txBody>
+          <a:bodyPr/>
+          <a:lstStyle/>
+          <a:p>
+            <a:fld id="{614725AF-2497-45A1-A451-4D22A5AD5DB3}" type="slidenum">
+              <a:rPr kumimoji="1" lang="ja-JP" altLang="en-US" smtClean="0"/>
+              <a:t>12</a:t>
+            </a:fld>
+            <a:endParaRPr kumimoji="1" lang="ja-JP" altLang="en-US"/>
+          </a:p>
+        </p:txBody>
+      </p:sp>
+    </p:spTree>
+    <p:extLst>
+      <p:ext uri="{BB962C8B-B14F-4D97-AF65-F5344CB8AC3E}">
+        <p14:creationId xmlns:p14="http://schemas.microsoft.com/office/powerpoint/2010/main" val="1345855126"/>
+      </p:ext>
+    </p:extLst>
+  </p:cSld>
+  <p:clrMapOvr>
+    <a:masterClrMapping/>
+  </p:clrMapOvr>
+</p:notes>
+</file>
+
+<file path=ppt/notesSlides/notesSlide2.xml><?xml version="1.0" encoding="utf-8"?>
+<p:notes xmlns:a="http://schemas.openxmlformats.org/drawingml/2006/main" xmlns:r="http://schemas.openxmlformats.org/officeDocument/2006/relationships" xmlns:p="http://schemas.openxmlformats.org/presentationml/2006/main">
+  <p:cSld>
+    <p:spTree>
+      <p:nvGrpSpPr>
+        <p:cNvPr id="1" name=""/>
+        <p:cNvGrpSpPr/>
+        <p:nvPr/>
+      </p:nvGrpSpPr>
+      <p:grpSpPr>
+        <a:xfrm>
+          <a:off x="0" y="0"/>
+          <a:ext cx="0" cy="0"/>
+          <a:chOff x="0" y="0"/>
+          <a:chExt cx="0" cy="0"/>
+        </a:xfrm>
+      </p:grpSpPr>
+      <p:sp>
+        <p:nvSpPr>
+          <p:cNvPr id="2" name="スライド イメージ プレースホルダー 1"/>
+          <p:cNvSpPr>
+            <a:spLocks noGrp="1" noRot="1" noChangeAspect="1"/>
+          </p:cNvSpPr>
+          <p:nvPr>
+            <p:ph type="sldImg"/>
+          </p:nvPr>
+        </p:nvSpPr>
+        <p:spPr/>
+      </p:sp>
+      <p:sp>
+        <p:nvSpPr>
+          <p:cNvPr id="3" name="ノート プレースホルダー 2"/>
+          <p:cNvSpPr>
+            <a:spLocks noGrp="1"/>
+          </p:cNvSpPr>
+          <p:nvPr>
+            <p:ph type="body" idx="1"/>
+          </p:nvPr>
+        </p:nvSpPr>
+        <p:spPr/>
+        <p:txBody>
+          <a:bodyPr/>
+          <a:lstStyle/>
+          <a:p>
+            <a:pPr marL="0" marR="0" lvl="0" indent="0" algn="l" defTabSz="914400" rtl="0" eaLnBrk="1" fontAlgn="auto" latinLnBrk="0" hangingPunct="1">
+              <a:lnSpc>
+                <a:spcPct val="100000"/>
+              </a:lnSpc>
+              <a:spcBef>
+                <a:spcPts val="0"/>
+              </a:spcBef>
+              <a:spcAft>
+                <a:spcPts val="0"/>
+              </a:spcAft>
+              <a:buClrTx/>
+              <a:buSzTx/>
+              <a:buFontTx/>
+              <a:buNone/>
+              <a:tabLst/>
+              <a:defRPr/>
+            </a:pPr>
+            <a:r>
+              <a:rPr kumimoji="1" lang="ja-JP" altLang="ja-JP" sz="1200" kern="1200" dirty="0">
+                <a:solidFill>
+                  <a:schemeClr val="tx1"/>
+                </a:solidFill>
+                <a:effectLst/>
+                <a:latin typeface="+mn-lt"/>
+                <a:ea typeface="+mn-ea"/>
+                <a:cs typeface="+mn-cs"/>
+              </a:rPr>
+              <a:t>このような流れで発表いたします。</a:t>
+            </a:r>
+          </a:p>
+          <a:p>
+            <a:endParaRPr kumimoji="1" lang="ja-JP" altLang="en-US" dirty="0"/>
+          </a:p>
+        </p:txBody>
+      </p:sp>
+      <p:sp>
+        <p:nvSpPr>
+          <p:cNvPr id="4" name="スライド番号プレースホルダー 3"/>
+          <p:cNvSpPr>
+            <a:spLocks noGrp="1"/>
+          </p:cNvSpPr>
+          <p:nvPr>
+            <p:ph type="sldNum" sz="quarter" idx="5"/>
+          </p:nvPr>
+        </p:nvSpPr>
+        <p:spPr/>
+        <p:txBody>
+          <a:bodyPr/>
+          <a:lstStyle/>
+          <a:p>
+            <a:fld id="{614725AF-2497-45A1-A451-4D22A5AD5DB3}" type="slidenum">
+              <a:rPr kumimoji="1" lang="ja-JP" altLang="en-US" smtClean="0"/>
+              <a:t>2</a:t>
+            </a:fld>
+            <a:endParaRPr kumimoji="1" lang="ja-JP" altLang="en-US"/>
+          </a:p>
+        </p:txBody>
+      </p:sp>
+    </p:spTree>
+    <p:extLst>
+      <p:ext uri="{BB962C8B-B14F-4D97-AF65-F5344CB8AC3E}">
+        <p14:creationId xmlns:p14="http://schemas.microsoft.com/office/powerpoint/2010/main" val="1599956993"/>
+      </p:ext>
+    </p:extLst>
+  </p:cSld>
+  <p:clrMapOvr>
+    <a:masterClrMapping/>
+  </p:clrMapOvr>
+</p:notes>
+</file>
+
+<file path=ppt/notesSlides/notesSlide3.xml><?xml version="1.0" encoding="utf-8"?>
+<p:notes xmlns:a="http://schemas.openxmlformats.org/drawingml/2006/main" xmlns:r="http://schemas.openxmlformats.org/officeDocument/2006/relationships" xmlns:p="http://schemas.openxmlformats.org/presentationml/2006/main">
+  <p:cSld>
+    <p:spTree>
+      <p:nvGrpSpPr>
+        <p:cNvPr id="1" name=""/>
+        <p:cNvGrpSpPr/>
+        <p:nvPr/>
+      </p:nvGrpSpPr>
+      <p:grpSpPr>
+        <a:xfrm>
+          <a:off x="0" y="0"/>
+          <a:ext cx="0" cy="0"/>
+          <a:chOff x="0" y="0"/>
+          <a:chExt cx="0" cy="0"/>
+        </a:xfrm>
+      </p:grpSpPr>
+      <p:sp>
+        <p:nvSpPr>
+          <p:cNvPr id="2" name="スライド イメージ プレースホルダー 1"/>
+          <p:cNvSpPr>
+            <a:spLocks noGrp="1" noRot="1" noChangeAspect="1"/>
+          </p:cNvSpPr>
+          <p:nvPr>
+            <p:ph type="sldImg"/>
+          </p:nvPr>
+        </p:nvSpPr>
+        <p:spPr/>
+      </p:sp>
+      <p:sp>
+        <p:nvSpPr>
+          <p:cNvPr id="3" name="ノート プレースホルダー 2"/>
+          <p:cNvSpPr>
+            <a:spLocks noGrp="1"/>
+          </p:cNvSpPr>
+          <p:nvPr>
+            <p:ph type="body" idx="1"/>
+          </p:nvPr>
+        </p:nvSpPr>
+        <p:spPr/>
+        <p:txBody>
+          <a:bodyPr/>
+          <a:lstStyle/>
+          <a:p>
+            <a:r>
+              <a:rPr kumimoji="1" lang="ja-JP" altLang="ja-JP" sz="1200" kern="1200" dirty="0">
+                <a:solidFill>
+                  <a:schemeClr val="tx1"/>
+                </a:solidFill>
+                <a:effectLst/>
+                <a:latin typeface="+mn-lt"/>
+                <a:ea typeface="+mn-ea"/>
+                <a:cs typeface="+mn-cs"/>
+              </a:rPr>
+              <a:t>まず初めに、システムのコンセプトについてお話させていただきます。</a:t>
+            </a:r>
+          </a:p>
+          <a:p>
+            <a:r>
+              <a:rPr kumimoji="1" lang="ja-JP" altLang="ja-JP" sz="1200" kern="1200" dirty="0">
+                <a:solidFill>
+                  <a:schemeClr val="tx1"/>
+                </a:solidFill>
+                <a:effectLst/>
+                <a:latin typeface="+mn-lt"/>
+                <a:ea typeface="+mn-ea"/>
+                <a:cs typeface="+mn-cs"/>
+              </a:rPr>
+              <a:t>アプリケーションの名前は</a:t>
+            </a:r>
+            <a:r>
+              <a:rPr kumimoji="1" lang="en-US" altLang="ja-JP" sz="1200" kern="1200" dirty="0">
+                <a:solidFill>
+                  <a:schemeClr val="tx1"/>
+                </a:solidFill>
+                <a:effectLst/>
+                <a:latin typeface="+mn-lt"/>
+                <a:ea typeface="+mn-ea"/>
+                <a:cs typeface="+mn-cs"/>
+              </a:rPr>
+              <a:t>HEALPY</a:t>
+            </a:r>
+            <a:r>
+              <a:rPr kumimoji="1" lang="ja-JP" altLang="ja-JP" sz="1200" kern="1200" dirty="0">
+                <a:solidFill>
+                  <a:schemeClr val="tx1"/>
+                </a:solidFill>
+                <a:effectLst/>
+                <a:latin typeface="+mn-lt"/>
+                <a:ea typeface="+mn-ea"/>
+                <a:cs typeface="+mn-cs"/>
+              </a:rPr>
+              <a:t>といいます。</a:t>
+            </a:r>
+          </a:p>
+          <a:p>
+            <a:r>
+              <a:rPr kumimoji="1" lang="ja-JP" altLang="ja-JP" sz="1200" kern="1200" dirty="0">
+                <a:solidFill>
+                  <a:schemeClr val="tx1"/>
+                </a:solidFill>
+                <a:effectLst/>
+                <a:latin typeface="+mn-lt"/>
+                <a:ea typeface="+mn-ea"/>
+                <a:cs typeface="+mn-cs"/>
+              </a:rPr>
+              <a:t>楽しく健康になってもらいたいという思いから</a:t>
+            </a:r>
+            <a:r>
+              <a:rPr kumimoji="1" lang="en-US" altLang="ja-JP" sz="1200" kern="1200" dirty="0">
+                <a:solidFill>
+                  <a:schemeClr val="tx1"/>
+                </a:solidFill>
+                <a:effectLst/>
+                <a:latin typeface="+mn-lt"/>
+                <a:ea typeface="+mn-ea"/>
+                <a:cs typeface="+mn-cs"/>
+              </a:rPr>
+              <a:t>Health</a:t>
+            </a:r>
+            <a:r>
+              <a:rPr kumimoji="1" lang="ja-JP" altLang="ja-JP" sz="1200" kern="1200" dirty="0">
+                <a:solidFill>
+                  <a:schemeClr val="tx1"/>
+                </a:solidFill>
+                <a:effectLst/>
+                <a:latin typeface="+mn-lt"/>
+                <a:ea typeface="+mn-ea"/>
+                <a:cs typeface="+mn-cs"/>
+              </a:rPr>
+              <a:t>×</a:t>
+            </a:r>
+            <a:r>
+              <a:rPr kumimoji="1" lang="en-US" altLang="ja-JP" sz="1200" kern="1200" dirty="0">
+                <a:solidFill>
+                  <a:schemeClr val="tx1"/>
+                </a:solidFill>
+                <a:effectLst/>
+                <a:latin typeface="+mn-lt"/>
+                <a:ea typeface="+mn-ea"/>
+                <a:cs typeface="+mn-cs"/>
+              </a:rPr>
+              <a:t>Happy</a:t>
+            </a:r>
+            <a:r>
+              <a:rPr kumimoji="1" lang="ja-JP" altLang="ja-JP" sz="1200" kern="1200" dirty="0">
+                <a:solidFill>
+                  <a:schemeClr val="tx1"/>
+                </a:solidFill>
+                <a:effectLst/>
+                <a:latin typeface="+mn-lt"/>
+                <a:ea typeface="+mn-ea"/>
+                <a:cs typeface="+mn-cs"/>
+              </a:rPr>
+              <a:t>で</a:t>
+            </a:r>
+            <a:r>
+              <a:rPr kumimoji="1" lang="en-US" altLang="ja-JP" sz="1200" kern="1200" dirty="0">
+                <a:solidFill>
+                  <a:schemeClr val="tx1"/>
+                </a:solidFill>
+                <a:effectLst/>
+                <a:latin typeface="+mn-lt"/>
+                <a:ea typeface="+mn-ea"/>
+                <a:cs typeface="+mn-cs"/>
+              </a:rPr>
+              <a:t>HEALPY</a:t>
+            </a:r>
+            <a:r>
+              <a:rPr kumimoji="1" lang="ja-JP" altLang="ja-JP" sz="1200" kern="1200" dirty="0">
+                <a:solidFill>
+                  <a:schemeClr val="tx1"/>
+                </a:solidFill>
+                <a:effectLst/>
+                <a:latin typeface="+mn-lt"/>
+                <a:ea typeface="+mn-ea"/>
+                <a:cs typeface="+mn-cs"/>
+              </a:rPr>
+              <a:t>となづけました。</a:t>
+            </a:r>
+          </a:p>
+          <a:p>
+            <a:r>
+              <a:rPr kumimoji="1" lang="ja-JP" altLang="ja-JP" sz="1200" kern="1200" dirty="0">
+                <a:solidFill>
+                  <a:schemeClr val="tx1"/>
+                </a:solidFill>
+                <a:effectLst/>
+                <a:latin typeface="+mn-lt"/>
+                <a:ea typeface="+mn-ea"/>
+                <a:cs typeface="+mn-cs"/>
+              </a:rPr>
+              <a:t>コンセプトは、１日の生活を振り返るアンケートに回答することで自身の健康度を簡単に把握でき、健康的な生活への意識を促進することです。</a:t>
+            </a:r>
+          </a:p>
+          <a:p>
+            <a:r>
+              <a:rPr kumimoji="1" lang="ja-JP" altLang="ja-JP" sz="1200" kern="1200" dirty="0">
+                <a:solidFill>
+                  <a:schemeClr val="tx1"/>
+                </a:solidFill>
+                <a:effectLst/>
+                <a:latin typeface="+mn-lt"/>
+                <a:ea typeface="+mn-ea"/>
+                <a:cs typeface="+mn-cs"/>
+              </a:rPr>
+              <a:t>ターゲットは、私たちが女性だけのグループだったということもあり、女性にしました。</a:t>
+            </a:r>
+            <a:endParaRPr kumimoji="1" lang="ja-JP" altLang="en-US" dirty="0"/>
+          </a:p>
+        </p:txBody>
+      </p:sp>
+      <p:sp>
+        <p:nvSpPr>
+          <p:cNvPr id="4" name="スライド番号プレースホルダー 3"/>
+          <p:cNvSpPr>
+            <a:spLocks noGrp="1"/>
+          </p:cNvSpPr>
+          <p:nvPr>
+            <p:ph type="sldNum" sz="quarter" idx="5"/>
+          </p:nvPr>
+        </p:nvSpPr>
+        <p:spPr/>
+        <p:txBody>
+          <a:bodyPr/>
+          <a:lstStyle/>
+          <a:p>
+            <a:fld id="{614725AF-2497-45A1-A451-4D22A5AD5DB3}" type="slidenum">
+              <a:rPr kumimoji="1" lang="ja-JP" altLang="en-US" smtClean="0"/>
+              <a:t>3</a:t>
+            </a:fld>
+            <a:endParaRPr kumimoji="1" lang="ja-JP" altLang="en-US"/>
+          </a:p>
+        </p:txBody>
+      </p:sp>
+    </p:spTree>
+    <p:extLst>
+      <p:ext uri="{BB962C8B-B14F-4D97-AF65-F5344CB8AC3E}">
+        <p14:creationId xmlns:p14="http://schemas.microsoft.com/office/powerpoint/2010/main" val="1936441568"/>
+      </p:ext>
+    </p:extLst>
+  </p:cSld>
+  <p:clrMapOvr>
+    <a:masterClrMapping/>
+  </p:clrMapOvr>
+</p:notes>
+</file>
+
+<file path=ppt/notesSlides/notesSlide4.xml><?xml version="1.0" encoding="utf-8"?>
+<p:notes xmlns:a="http://schemas.openxmlformats.org/drawingml/2006/main" xmlns:r="http://schemas.openxmlformats.org/officeDocument/2006/relationships" xmlns:p="http://schemas.openxmlformats.org/presentationml/2006/main">
+  <p:cSld>
+    <p:spTree>
+      <p:nvGrpSpPr>
+        <p:cNvPr id="1" name=""/>
+        <p:cNvGrpSpPr/>
+        <p:nvPr/>
+      </p:nvGrpSpPr>
+      <p:grpSpPr>
+        <a:xfrm>
+          <a:off x="0" y="0"/>
+          <a:ext cx="0" cy="0"/>
+          <a:chOff x="0" y="0"/>
+          <a:chExt cx="0" cy="0"/>
+        </a:xfrm>
+      </p:grpSpPr>
+      <p:sp>
+        <p:nvSpPr>
+          <p:cNvPr id="2" name="スライド イメージ プレースホルダー 1"/>
+          <p:cNvSpPr>
+            <a:spLocks noGrp="1" noRot="1" noChangeAspect="1"/>
+          </p:cNvSpPr>
+          <p:nvPr>
+            <p:ph type="sldImg"/>
+          </p:nvPr>
+        </p:nvSpPr>
+        <p:spPr/>
+      </p:sp>
+      <p:sp>
+        <p:nvSpPr>
+          <p:cNvPr id="3" name="ノート プレースホルダー 2"/>
+          <p:cNvSpPr>
+            <a:spLocks noGrp="1"/>
+          </p:cNvSpPr>
+          <p:nvPr>
+            <p:ph type="body" idx="1"/>
+          </p:nvPr>
+        </p:nvSpPr>
+        <p:spPr/>
+        <p:txBody>
+          <a:bodyPr/>
+          <a:lstStyle/>
+          <a:p>
+            <a:r>
+              <a:rPr kumimoji="1" lang="ja-JP" altLang="ja-JP" sz="1200" kern="1200" dirty="0">
+                <a:solidFill>
+                  <a:schemeClr val="tx1"/>
+                </a:solidFill>
+                <a:effectLst/>
+                <a:latin typeface="+mn-lt"/>
+                <a:ea typeface="+mn-ea"/>
+                <a:cs typeface="+mn-cs"/>
+              </a:rPr>
+              <a:t>次に、チームと担当の紹介です。</a:t>
+            </a:r>
+          </a:p>
+          <a:p>
+            <a:r>
+              <a:rPr kumimoji="1" lang="ja-JP" altLang="ja-JP" sz="1200" kern="1200" dirty="0">
+                <a:solidFill>
+                  <a:schemeClr val="tx1"/>
+                </a:solidFill>
+                <a:effectLst/>
+                <a:latin typeface="+mn-lt"/>
+                <a:ea typeface="+mn-ea"/>
+                <a:cs typeface="+mn-cs"/>
+              </a:rPr>
+              <a:t>リーダーは豊島で、各画面の</a:t>
+            </a:r>
+            <a:r>
+              <a:rPr kumimoji="1" lang="en-US" altLang="ja-JP" sz="1200" kern="1200" dirty="0">
+                <a:solidFill>
+                  <a:schemeClr val="tx1"/>
+                </a:solidFill>
+                <a:effectLst/>
+                <a:latin typeface="+mn-lt"/>
+                <a:ea typeface="+mn-ea"/>
+                <a:cs typeface="+mn-cs"/>
+              </a:rPr>
+              <a:t>HTML</a:t>
+            </a:r>
+            <a:r>
+              <a:rPr kumimoji="1" lang="ja-JP" altLang="ja-JP" sz="1200" kern="1200" dirty="0">
+                <a:solidFill>
+                  <a:schemeClr val="tx1"/>
+                </a:solidFill>
+                <a:effectLst/>
+                <a:latin typeface="+mn-lt"/>
+                <a:ea typeface="+mn-ea"/>
+                <a:cs typeface="+mn-cs"/>
+              </a:rPr>
+              <a:t>／</a:t>
+            </a:r>
+            <a:r>
+              <a:rPr kumimoji="1" lang="en-US" altLang="ja-JP" sz="1200" kern="1200" dirty="0">
+                <a:solidFill>
+                  <a:schemeClr val="tx1"/>
+                </a:solidFill>
+                <a:effectLst/>
+                <a:latin typeface="+mn-lt"/>
+                <a:ea typeface="+mn-ea"/>
+                <a:cs typeface="+mn-cs"/>
+              </a:rPr>
+              <a:t>CSS</a:t>
+            </a:r>
+            <a:r>
+              <a:rPr kumimoji="1" lang="ja-JP" altLang="ja-JP" sz="1200" kern="1200" dirty="0" err="1">
+                <a:solidFill>
+                  <a:schemeClr val="tx1"/>
+                </a:solidFill>
+                <a:effectLst/>
+                <a:latin typeface="+mn-lt"/>
+                <a:ea typeface="+mn-ea"/>
+                <a:cs typeface="+mn-cs"/>
+              </a:rPr>
+              <a:t>、</a:t>
+            </a:r>
+            <a:r>
+              <a:rPr kumimoji="1" lang="en-US" altLang="ja-JP" sz="1200" kern="1200" dirty="0">
+                <a:solidFill>
+                  <a:schemeClr val="tx1"/>
+                </a:solidFill>
+                <a:effectLst/>
+                <a:latin typeface="+mn-lt"/>
+                <a:ea typeface="+mn-ea"/>
+                <a:cs typeface="+mn-cs"/>
+              </a:rPr>
+              <a:t> SEO</a:t>
+            </a:r>
+            <a:r>
+              <a:rPr kumimoji="1" lang="ja-JP" altLang="ja-JP" sz="1200" kern="1200" dirty="0">
+                <a:solidFill>
+                  <a:schemeClr val="tx1"/>
+                </a:solidFill>
+                <a:effectLst/>
+                <a:latin typeface="+mn-lt"/>
+                <a:ea typeface="+mn-ea"/>
+                <a:cs typeface="+mn-cs"/>
+              </a:rPr>
+              <a:t>機能、健康チェック機能、グラフ機能、管理者ページ機能、フィードバックコメント機能を担当しました。</a:t>
+            </a:r>
+          </a:p>
+          <a:p>
+            <a:r>
+              <a:rPr kumimoji="1" lang="ja-JP" altLang="ja-JP" sz="1200" kern="1200" dirty="0">
+                <a:solidFill>
+                  <a:schemeClr val="tx1"/>
+                </a:solidFill>
+                <a:effectLst/>
+                <a:latin typeface="+mn-lt"/>
+                <a:ea typeface="+mn-ea"/>
+                <a:cs typeface="+mn-cs"/>
+              </a:rPr>
+              <a:t>書記は畑本で、データベース作成、ログイン／ログアウト機能、新規登録、レシピ表示機能、登録情報表示／変更機能を担当しました。</a:t>
+            </a:r>
+          </a:p>
+          <a:p>
+            <a:endParaRPr kumimoji="1" lang="ja-JP" altLang="en-US" dirty="0"/>
+          </a:p>
+        </p:txBody>
+      </p:sp>
+      <p:sp>
+        <p:nvSpPr>
+          <p:cNvPr id="4" name="スライド番号プレースホルダー 3"/>
+          <p:cNvSpPr>
+            <a:spLocks noGrp="1"/>
+          </p:cNvSpPr>
+          <p:nvPr>
+            <p:ph type="sldNum" sz="quarter" idx="5"/>
+          </p:nvPr>
+        </p:nvSpPr>
+        <p:spPr/>
+        <p:txBody>
+          <a:bodyPr/>
+          <a:lstStyle/>
+          <a:p>
+            <a:fld id="{614725AF-2497-45A1-A451-4D22A5AD5DB3}" type="slidenum">
+              <a:rPr kumimoji="1" lang="ja-JP" altLang="en-US" smtClean="0"/>
+              <a:t>4</a:t>
+            </a:fld>
+            <a:endParaRPr kumimoji="1" lang="ja-JP" altLang="en-US"/>
+          </a:p>
+        </p:txBody>
+      </p:sp>
+    </p:spTree>
+    <p:extLst>
+      <p:ext uri="{BB962C8B-B14F-4D97-AF65-F5344CB8AC3E}">
+        <p14:creationId xmlns:p14="http://schemas.microsoft.com/office/powerpoint/2010/main" val="3779311963"/>
+      </p:ext>
+    </p:extLst>
+  </p:cSld>
+  <p:clrMapOvr>
+    <a:masterClrMapping/>
+  </p:clrMapOvr>
+</p:notes>
+</file>
+
+<file path=ppt/notesSlides/notesSlide5.xml><?xml version="1.0" encoding="utf-8"?>
+<p:notes xmlns:a="http://schemas.openxmlformats.org/drawingml/2006/main" xmlns:r="http://schemas.openxmlformats.org/officeDocument/2006/relationships" xmlns:p="http://schemas.openxmlformats.org/presentationml/2006/main">
+  <p:cSld>
+    <p:spTree>
+      <p:nvGrpSpPr>
+        <p:cNvPr id="1" name=""/>
+        <p:cNvGrpSpPr/>
+        <p:nvPr/>
+      </p:nvGrpSpPr>
+      <p:grpSpPr>
+        <a:xfrm>
+          <a:off x="0" y="0"/>
+          <a:ext cx="0" cy="0"/>
+          <a:chOff x="0" y="0"/>
+          <a:chExt cx="0" cy="0"/>
+        </a:xfrm>
+      </p:grpSpPr>
+      <p:sp>
+        <p:nvSpPr>
+          <p:cNvPr id="2" name="スライド イメージ プレースホルダー 1"/>
+          <p:cNvSpPr>
+            <a:spLocks noGrp="1" noRot="1" noChangeAspect="1"/>
+          </p:cNvSpPr>
+          <p:nvPr>
+            <p:ph type="sldImg"/>
+          </p:nvPr>
+        </p:nvSpPr>
+        <p:spPr/>
+      </p:sp>
+      <p:sp>
+        <p:nvSpPr>
+          <p:cNvPr id="3" name="ノート プレースホルダー 2"/>
+          <p:cNvSpPr>
+            <a:spLocks noGrp="1"/>
+          </p:cNvSpPr>
+          <p:nvPr>
+            <p:ph type="body" idx="1"/>
+          </p:nvPr>
+        </p:nvSpPr>
+        <p:spPr/>
+        <p:txBody>
+          <a:bodyPr/>
+          <a:lstStyle/>
+          <a:p>
+            <a:r>
+              <a:rPr kumimoji="1" lang="ja-JP" altLang="ja-JP" sz="1200" kern="1200" dirty="0">
+                <a:solidFill>
+                  <a:schemeClr val="tx1"/>
+                </a:solidFill>
+                <a:effectLst/>
+                <a:latin typeface="+mn-lt"/>
+                <a:ea typeface="+mn-ea"/>
+                <a:cs typeface="+mn-cs"/>
+              </a:rPr>
+              <a:t>次にシステム規模と品質についてです。</a:t>
+            </a:r>
+          </a:p>
+          <a:p>
+            <a:r>
+              <a:rPr kumimoji="1" lang="ja-JP" altLang="ja-JP" sz="1200" kern="1200" dirty="0">
+                <a:solidFill>
+                  <a:schemeClr val="tx1"/>
+                </a:solidFill>
+                <a:effectLst/>
+                <a:latin typeface="+mn-lt"/>
+                <a:ea typeface="+mn-ea"/>
+                <a:cs typeface="+mn-cs"/>
+              </a:rPr>
+              <a:t>画面数は１６で、ファイル数は画像なども併せて４９になりました。</a:t>
+            </a:r>
+          </a:p>
+          <a:p>
+            <a:r>
+              <a:rPr kumimoji="1" lang="ja-JP" altLang="ja-JP" sz="1200" kern="1200" dirty="0">
+                <a:solidFill>
+                  <a:schemeClr val="tx1"/>
+                </a:solidFill>
+                <a:effectLst/>
+                <a:latin typeface="+mn-lt"/>
+                <a:ea typeface="+mn-ea"/>
+                <a:cs typeface="+mn-cs"/>
+              </a:rPr>
+              <a:t>テスト数は５７、総バグ数は開発しながら修正したりもしていたので正確な数は把握していませんが約４０件となりました。発見したバグはすべて修正済みです。</a:t>
+            </a:r>
+          </a:p>
+          <a:p>
+            <a:endParaRPr kumimoji="1" lang="ja-JP" altLang="en-US" dirty="0"/>
+          </a:p>
+        </p:txBody>
+      </p:sp>
+      <p:sp>
+        <p:nvSpPr>
+          <p:cNvPr id="4" name="スライド番号プレースホルダー 3"/>
+          <p:cNvSpPr>
+            <a:spLocks noGrp="1"/>
+          </p:cNvSpPr>
+          <p:nvPr>
+            <p:ph type="sldNum" sz="quarter" idx="5"/>
+          </p:nvPr>
+        </p:nvSpPr>
+        <p:spPr/>
+        <p:txBody>
+          <a:bodyPr/>
+          <a:lstStyle/>
+          <a:p>
+            <a:fld id="{614725AF-2497-45A1-A451-4D22A5AD5DB3}" type="slidenum">
+              <a:rPr kumimoji="1" lang="ja-JP" altLang="en-US" smtClean="0"/>
+              <a:t>5</a:t>
+            </a:fld>
+            <a:endParaRPr kumimoji="1" lang="ja-JP" altLang="en-US"/>
+          </a:p>
+        </p:txBody>
+      </p:sp>
+    </p:spTree>
+    <p:extLst>
+      <p:ext uri="{BB962C8B-B14F-4D97-AF65-F5344CB8AC3E}">
+        <p14:creationId xmlns:p14="http://schemas.microsoft.com/office/powerpoint/2010/main" val="3631333861"/>
+      </p:ext>
+    </p:extLst>
+  </p:cSld>
+  <p:clrMapOvr>
+    <a:masterClrMapping/>
+  </p:clrMapOvr>
+</p:notes>
+</file>
+
+<file path=ppt/notesSlides/notesSlide6.xml><?xml version="1.0" encoding="utf-8"?>
+<p:notes xmlns:a="http://schemas.openxmlformats.org/drawingml/2006/main" xmlns:r="http://schemas.openxmlformats.org/officeDocument/2006/relationships" xmlns:p="http://schemas.openxmlformats.org/presentationml/2006/main">
+  <p:cSld>
+    <p:spTree>
+      <p:nvGrpSpPr>
+        <p:cNvPr id="1" name=""/>
+        <p:cNvGrpSpPr/>
+        <p:nvPr/>
+      </p:nvGrpSpPr>
+      <p:grpSpPr>
+        <a:xfrm>
+          <a:off x="0" y="0"/>
+          <a:ext cx="0" cy="0"/>
+          <a:chOff x="0" y="0"/>
+          <a:chExt cx="0" cy="0"/>
+        </a:xfrm>
+      </p:grpSpPr>
+      <p:sp>
+        <p:nvSpPr>
+          <p:cNvPr id="2" name="スライド イメージ プレースホルダー 1"/>
+          <p:cNvSpPr>
+            <a:spLocks noGrp="1" noRot="1" noChangeAspect="1"/>
+          </p:cNvSpPr>
+          <p:nvPr>
+            <p:ph type="sldImg"/>
+          </p:nvPr>
+        </p:nvSpPr>
+        <p:spPr/>
+      </p:sp>
+      <p:sp>
+        <p:nvSpPr>
+          <p:cNvPr id="3" name="ノート プレースホルダー 2"/>
+          <p:cNvSpPr>
+            <a:spLocks noGrp="1"/>
+          </p:cNvSpPr>
+          <p:nvPr>
+            <p:ph type="body" idx="1"/>
+          </p:nvPr>
+        </p:nvSpPr>
+        <p:spPr/>
+        <p:txBody>
+          <a:bodyPr/>
+          <a:lstStyle/>
+          <a:p>
+            <a:r>
+              <a:rPr kumimoji="1" lang="ja-JP" altLang="ja-JP" sz="1200" kern="1200" dirty="0">
+                <a:solidFill>
+                  <a:schemeClr val="tx1"/>
+                </a:solidFill>
+                <a:effectLst/>
+                <a:latin typeface="+mn-lt"/>
+                <a:ea typeface="+mn-ea"/>
+                <a:cs typeface="+mn-cs"/>
+              </a:rPr>
+              <a:t>次に開発工程についてです</a:t>
+            </a:r>
+            <a:r>
+              <a:rPr kumimoji="1" lang="ja-JP" altLang="en-US" sz="1200" kern="1200" dirty="0">
+                <a:solidFill>
+                  <a:schemeClr val="tx1"/>
+                </a:solidFill>
+                <a:effectLst/>
+                <a:latin typeface="+mn-lt"/>
+                <a:ea typeface="+mn-ea"/>
+                <a:cs typeface="+mn-cs"/>
+              </a:rPr>
+              <a:t>。</a:t>
+            </a:r>
+            <a:endParaRPr kumimoji="1" lang="en-US" altLang="ja-JP" sz="1200" kern="1200" dirty="0">
+              <a:solidFill>
+                <a:schemeClr val="tx1"/>
+              </a:solidFill>
+              <a:effectLst/>
+              <a:latin typeface="+mn-lt"/>
+              <a:ea typeface="+mn-ea"/>
+              <a:cs typeface="+mn-cs"/>
+            </a:endParaRPr>
+          </a:p>
+          <a:p>
+            <a:r>
+              <a:rPr kumimoji="1" lang="ja-JP" altLang="ja-JP" sz="1200" kern="1200" dirty="0">
+                <a:solidFill>
+                  <a:schemeClr val="tx1"/>
+                </a:solidFill>
+                <a:effectLst/>
+                <a:latin typeface="+mn-lt"/>
+                <a:ea typeface="+mn-ea"/>
+                <a:cs typeface="+mn-cs"/>
+              </a:rPr>
+              <a:t>まず、要件定義書の作成を行いました。</a:t>
+            </a:r>
+            <a:endParaRPr kumimoji="1" lang="en-US" altLang="ja-JP" sz="1200" kern="1200" dirty="0">
+              <a:solidFill>
+                <a:schemeClr val="tx1"/>
+              </a:solidFill>
+              <a:effectLst/>
+              <a:latin typeface="+mn-lt"/>
+              <a:ea typeface="+mn-ea"/>
+              <a:cs typeface="+mn-cs"/>
+            </a:endParaRPr>
+          </a:p>
+          <a:p>
+            <a:r>
+              <a:rPr kumimoji="1" lang="ja-JP" altLang="ja-JP" sz="1200" kern="1200" dirty="0">
+                <a:solidFill>
+                  <a:schemeClr val="tx1"/>
+                </a:solidFill>
+                <a:effectLst/>
+                <a:latin typeface="+mn-lt"/>
+                <a:ea typeface="+mn-ea"/>
+                <a:cs typeface="+mn-cs"/>
+              </a:rPr>
+              <a:t>基本設計書作成では画面遷移図作成やデータベース定義など、慣れないことが多く予定より</a:t>
+            </a:r>
+            <a:r>
+              <a:rPr kumimoji="1" lang="en-US" altLang="ja-JP" sz="1200" kern="1200" dirty="0">
+                <a:solidFill>
+                  <a:schemeClr val="tx1"/>
+                </a:solidFill>
+                <a:effectLst/>
+                <a:latin typeface="+mn-lt"/>
+                <a:ea typeface="+mn-ea"/>
+                <a:cs typeface="+mn-cs"/>
+              </a:rPr>
+              <a:t>1</a:t>
+            </a:r>
+            <a:r>
+              <a:rPr kumimoji="1" lang="ja-JP" altLang="ja-JP" sz="1200" kern="1200" dirty="0">
+                <a:solidFill>
+                  <a:schemeClr val="tx1"/>
+                </a:solidFill>
+                <a:effectLst/>
+                <a:latin typeface="+mn-lt"/>
+                <a:ea typeface="+mn-ea"/>
+                <a:cs typeface="+mn-cs"/>
+              </a:rPr>
+              <a:t>日遅れました。</a:t>
+            </a:r>
+            <a:endParaRPr kumimoji="1" lang="en-US" altLang="ja-JP" sz="1200" kern="1200" dirty="0">
+              <a:solidFill>
+                <a:schemeClr val="tx1"/>
+              </a:solidFill>
+              <a:effectLst/>
+              <a:latin typeface="+mn-lt"/>
+              <a:ea typeface="+mn-ea"/>
+              <a:cs typeface="+mn-cs"/>
+            </a:endParaRPr>
+          </a:p>
+          <a:p>
+            <a:r>
+              <a:rPr kumimoji="1" lang="ja-JP" altLang="ja-JP" sz="1200" kern="1200" dirty="0">
+                <a:solidFill>
+                  <a:schemeClr val="tx1"/>
+                </a:solidFill>
+                <a:effectLst/>
+                <a:latin typeface="+mn-lt"/>
+                <a:ea typeface="+mn-ea"/>
+                <a:cs typeface="+mn-cs"/>
+              </a:rPr>
+              <a:t>その結果作業工程表の作成も１日遅れました。</a:t>
+            </a:r>
+          </a:p>
+          <a:p>
+            <a:endParaRPr kumimoji="1" lang="ja-JP" altLang="en-US" dirty="0"/>
+          </a:p>
+        </p:txBody>
+      </p:sp>
+      <p:sp>
+        <p:nvSpPr>
+          <p:cNvPr id="4" name="スライド番号プレースホルダー 3"/>
+          <p:cNvSpPr>
+            <a:spLocks noGrp="1"/>
+          </p:cNvSpPr>
+          <p:nvPr>
+            <p:ph type="sldNum" sz="quarter" idx="5"/>
+          </p:nvPr>
+        </p:nvSpPr>
+        <p:spPr/>
+        <p:txBody>
+          <a:bodyPr/>
+          <a:lstStyle/>
+          <a:p>
+            <a:fld id="{614725AF-2497-45A1-A451-4D22A5AD5DB3}" type="slidenum">
+              <a:rPr kumimoji="1" lang="ja-JP" altLang="en-US" smtClean="0"/>
+              <a:t>6</a:t>
+            </a:fld>
+            <a:endParaRPr kumimoji="1" lang="ja-JP" altLang="en-US"/>
+          </a:p>
+        </p:txBody>
+      </p:sp>
+    </p:spTree>
+    <p:extLst>
+      <p:ext uri="{BB962C8B-B14F-4D97-AF65-F5344CB8AC3E}">
+        <p14:creationId xmlns:p14="http://schemas.microsoft.com/office/powerpoint/2010/main" val="177906767"/>
+      </p:ext>
+    </p:extLst>
+  </p:cSld>
+  <p:clrMapOvr>
+    <a:masterClrMapping/>
+  </p:clrMapOvr>
+</p:notes>
+</file>
+
+<file path=ppt/notesSlides/notesSlide7.xml><?xml version="1.0" encoding="utf-8"?>
+<p:notes xmlns:a="http://schemas.openxmlformats.org/drawingml/2006/main" xmlns:r="http://schemas.openxmlformats.org/officeDocument/2006/relationships" xmlns:p="http://schemas.openxmlformats.org/presentationml/2006/main">
+  <p:cSld>
+    <p:spTree>
+      <p:nvGrpSpPr>
+        <p:cNvPr id="1" name=""/>
+        <p:cNvGrpSpPr/>
+        <p:nvPr/>
+      </p:nvGrpSpPr>
+      <p:grpSpPr>
+        <a:xfrm>
+          <a:off x="0" y="0"/>
+          <a:ext cx="0" cy="0"/>
+          <a:chOff x="0" y="0"/>
+          <a:chExt cx="0" cy="0"/>
+        </a:xfrm>
+      </p:grpSpPr>
+      <p:sp>
+        <p:nvSpPr>
+          <p:cNvPr id="2" name="スライド イメージ プレースホルダー 1"/>
+          <p:cNvSpPr>
+            <a:spLocks noGrp="1" noRot="1" noChangeAspect="1"/>
+          </p:cNvSpPr>
+          <p:nvPr>
+            <p:ph type="sldImg"/>
+          </p:nvPr>
+        </p:nvSpPr>
+        <p:spPr/>
+      </p:sp>
+      <p:sp>
+        <p:nvSpPr>
+          <p:cNvPr id="3" name="ノート プレースホルダー 2"/>
+          <p:cNvSpPr>
+            <a:spLocks noGrp="1"/>
+          </p:cNvSpPr>
+          <p:nvPr>
+            <p:ph type="body" idx="1"/>
+          </p:nvPr>
+        </p:nvSpPr>
+        <p:spPr/>
+        <p:txBody>
+          <a:bodyPr/>
+          <a:lstStyle/>
+          <a:p>
+            <a:pPr marL="0" marR="0" lvl="0" indent="0" algn="l" defTabSz="914400" rtl="0" eaLnBrk="1" fontAlgn="auto" latinLnBrk="0" hangingPunct="1">
+              <a:lnSpc>
+                <a:spcPct val="100000"/>
+              </a:lnSpc>
+              <a:spcBef>
+                <a:spcPts val="0"/>
+              </a:spcBef>
+              <a:spcAft>
+                <a:spcPts val="0"/>
+              </a:spcAft>
+              <a:buClrTx/>
+              <a:buSzTx/>
+              <a:buFontTx/>
+              <a:buNone/>
+              <a:tabLst/>
+              <a:defRPr/>
+            </a:pPr>
+            <a:r>
+              <a:rPr kumimoji="1" lang="ja-JP" altLang="ja-JP" sz="1200" kern="1200" dirty="0">
+                <a:solidFill>
+                  <a:schemeClr val="tx1"/>
+                </a:solidFill>
+                <a:effectLst/>
+                <a:latin typeface="+mn-lt"/>
+                <a:ea typeface="+mn-ea"/>
+                <a:cs typeface="+mn-cs"/>
+              </a:rPr>
+              <a:t>詳細設計では、メンバーと役割分担し取り組んだことで、作業がスムーズに進み、</a:t>
+            </a:r>
+            <a:r>
+              <a:rPr kumimoji="1" lang="en-US" altLang="ja-JP" sz="1200" kern="1200" dirty="0">
+                <a:solidFill>
+                  <a:schemeClr val="tx1"/>
+                </a:solidFill>
+                <a:effectLst/>
+                <a:latin typeface="+mn-lt"/>
+                <a:ea typeface="+mn-ea"/>
+                <a:cs typeface="+mn-cs"/>
+              </a:rPr>
+              <a:t>1</a:t>
+            </a:r>
+            <a:r>
+              <a:rPr kumimoji="1" lang="ja-JP" altLang="ja-JP" sz="1200" kern="1200" dirty="0">
+                <a:solidFill>
+                  <a:schemeClr val="tx1"/>
+                </a:solidFill>
+                <a:effectLst/>
+                <a:latin typeface="+mn-lt"/>
+                <a:ea typeface="+mn-ea"/>
+                <a:cs typeface="+mn-cs"/>
+              </a:rPr>
+              <a:t>日前倒しとなりました。そのほかの工程ではほぼ予定通りに進めることができました。</a:t>
+            </a:r>
+          </a:p>
+          <a:p>
+            <a:endParaRPr kumimoji="1" lang="ja-JP" altLang="en-US" dirty="0"/>
+          </a:p>
+        </p:txBody>
+      </p:sp>
+      <p:sp>
+        <p:nvSpPr>
+          <p:cNvPr id="4" name="スライド番号プレースホルダー 3"/>
+          <p:cNvSpPr>
+            <a:spLocks noGrp="1"/>
+          </p:cNvSpPr>
+          <p:nvPr>
+            <p:ph type="sldNum" sz="quarter" idx="5"/>
+          </p:nvPr>
+        </p:nvSpPr>
+        <p:spPr/>
+        <p:txBody>
+          <a:bodyPr/>
+          <a:lstStyle/>
+          <a:p>
+            <a:fld id="{614725AF-2497-45A1-A451-4D22A5AD5DB3}" type="slidenum">
+              <a:rPr kumimoji="1" lang="ja-JP" altLang="en-US" smtClean="0"/>
+              <a:t>7</a:t>
+            </a:fld>
+            <a:endParaRPr kumimoji="1" lang="ja-JP" altLang="en-US"/>
+          </a:p>
+        </p:txBody>
+      </p:sp>
+    </p:spTree>
+    <p:extLst>
+      <p:ext uri="{BB962C8B-B14F-4D97-AF65-F5344CB8AC3E}">
+        <p14:creationId xmlns:p14="http://schemas.microsoft.com/office/powerpoint/2010/main" val="3401367218"/>
+      </p:ext>
+    </p:extLst>
+  </p:cSld>
+  <p:clrMapOvr>
+    <a:masterClrMapping/>
+  </p:clrMapOvr>
+</p:notes>
+</file>
+
+<file path=ppt/notesSlides/notesSlide8.xml><?xml version="1.0" encoding="utf-8"?>
+<p:notes xmlns:a="http://schemas.openxmlformats.org/drawingml/2006/main" xmlns:r="http://schemas.openxmlformats.org/officeDocument/2006/relationships" xmlns:p="http://schemas.openxmlformats.org/presentationml/2006/main">
+  <p:cSld>
+    <p:spTree>
+      <p:nvGrpSpPr>
+        <p:cNvPr id="1" name=""/>
+        <p:cNvGrpSpPr/>
+        <p:nvPr/>
+      </p:nvGrpSpPr>
+      <p:grpSpPr>
+        <a:xfrm>
+          <a:off x="0" y="0"/>
+          <a:ext cx="0" cy="0"/>
+          <a:chOff x="0" y="0"/>
+          <a:chExt cx="0" cy="0"/>
+        </a:xfrm>
+      </p:grpSpPr>
+      <p:sp>
+        <p:nvSpPr>
+          <p:cNvPr id="2" name="スライド イメージ プレースホルダー 1"/>
+          <p:cNvSpPr>
+            <a:spLocks noGrp="1" noRot="1" noChangeAspect="1"/>
+          </p:cNvSpPr>
+          <p:nvPr>
+            <p:ph type="sldImg"/>
+          </p:nvPr>
+        </p:nvSpPr>
+        <p:spPr/>
+      </p:sp>
+      <p:sp>
+        <p:nvSpPr>
+          <p:cNvPr id="3" name="ノート プレースホルダー 2"/>
+          <p:cNvSpPr>
+            <a:spLocks noGrp="1"/>
+          </p:cNvSpPr>
+          <p:nvPr>
+            <p:ph type="body" idx="1"/>
+          </p:nvPr>
+        </p:nvSpPr>
+        <p:spPr/>
+        <p:txBody>
+          <a:bodyPr/>
+          <a:lstStyle/>
+          <a:p>
+            <a:pPr marL="0" marR="0" lvl="0" indent="0" algn="l" defTabSz="914400" rtl="0" eaLnBrk="1" fontAlgn="auto" latinLnBrk="0" hangingPunct="1">
+              <a:lnSpc>
+                <a:spcPct val="100000"/>
+              </a:lnSpc>
+              <a:spcBef>
+                <a:spcPts val="0"/>
+              </a:spcBef>
+              <a:spcAft>
+                <a:spcPts val="0"/>
+              </a:spcAft>
+              <a:buClrTx/>
+              <a:buSzTx/>
+              <a:buFontTx/>
+              <a:buNone/>
+              <a:tabLst/>
+              <a:defRPr/>
+            </a:pPr>
+            <a:r>
+              <a:rPr kumimoji="1" lang="ja-JP" altLang="ja-JP" sz="1200" kern="1200" dirty="0">
+                <a:solidFill>
+                  <a:schemeClr val="tx1"/>
+                </a:solidFill>
+                <a:effectLst/>
+                <a:latin typeface="+mn-lt"/>
+                <a:ea typeface="+mn-ea"/>
+                <a:cs typeface="+mn-cs"/>
+              </a:rPr>
+              <a:t>それでは開発したシステムをデモンストレーションにてご説明いたします。</a:t>
+            </a:r>
+            <a:endParaRPr kumimoji="1" lang="en-US" altLang="ja-JP" sz="1200" kern="1200" dirty="0">
+              <a:solidFill>
+                <a:schemeClr val="tx1"/>
+              </a:solidFill>
+              <a:effectLst/>
+              <a:latin typeface="+mn-lt"/>
+              <a:ea typeface="+mn-ea"/>
+              <a:cs typeface="+mn-cs"/>
+            </a:endParaRPr>
+          </a:p>
+          <a:p>
+            <a:pPr marL="0" marR="0" lvl="0" indent="0" algn="l" defTabSz="914400" rtl="0" eaLnBrk="1" fontAlgn="auto" latinLnBrk="0" hangingPunct="1">
+              <a:lnSpc>
+                <a:spcPct val="100000"/>
+              </a:lnSpc>
+              <a:spcBef>
+                <a:spcPts val="0"/>
+              </a:spcBef>
+              <a:spcAft>
+                <a:spcPts val="0"/>
+              </a:spcAft>
+              <a:buClrTx/>
+              <a:buSzTx/>
+              <a:buFontTx/>
+              <a:buNone/>
+              <a:tabLst/>
+              <a:defRPr/>
+            </a:pPr>
+            <a:endParaRPr kumimoji="1" lang="ja-JP" altLang="ja-JP" sz="1200" kern="1200" dirty="0">
+              <a:solidFill>
+                <a:schemeClr val="tx1"/>
+              </a:solidFill>
+              <a:effectLst/>
+              <a:latin typeface="+mn-lt"/>
+              <a:ea typeface="+mn-ea"/>
+              <a:cs typeface="+mn-cs"/>
+            </a:endParaRPr>
+          </a:p>
+          <a:p>
+            <a:r>
+              <a:rPr kumimoji="1" lang="ja-JP" altLang="ja-JP" sz="1200" kern="1200" dirty="0">
+                <a:solidFill>
+                  <a:schemeClr val="tx1"/>
+                </a:solidFill>
+                <a:effectLst/>
+                <a:latin typeface="+mn-lt"/>
+                <a:ea typeface="+mn-ea"/>
+                <a:cs typeface="+mn-cs"/>
+              </a:rPr>
+              <a:t>以上でデモンストレーションを終了します。</a:t>
+            </a:r>
+            <a:endParaRPr kumimoji="1" lang="ja-JP" altLang="en-US" dirty="0"/>
+          </a:p>
+        </p:txBody>
+      </p:sp>
+      <p:sp>
+        <p:nvSpPr>
+          <p:cNvPr id="4" name="スライド番号プレースホルダー 3"/>
+          <p:cNvSpPr>
+            <a:spLocks noGrp="1"/>
+          </p:cNvSpPr>
+          <p:nvPr>
+            <p:ph type="sldNum" sz="quarter" idx="5"/>
+          </p:nvPr>
+        </p:nvSpPr>
+        <p:spPr/>
+        <p:txBody>
+          <a:bodyPr/>
+          <a:lstStyle/>
+          <a:p>
+            <a:fld id="{614725AF-2497-45A1-A451-4D22A5AD5DB3}" type="slidenum">
+              <a:rPr kumimoji="1" lang="ja-JP" altLang="en-US" smtClean="0"/>
+              <a:t>8</a:t>
+            </a:fld>
+            <a:endParaRPr kumimoji="1" lang="ja-JP" altLang="en-US"/>
+          </a:p>
+        </p:txBody>
+      </p:sp>
+    </p:spTree>
+    <p:extLst>
+      <p:ext uri="{BB962C8B-B14F-4D97-AF65-F5344CB8AC3E}">
+        <p14:creationId xmlns:p14="http://schemas.microsoft.com/office/powerpoint/2010/main" val="1673865493"/>
+      </p:ext>
+    </p:extLst>
+  </p:cSld>
+  <p:clrMapOvr>
+    <a:masterClrMapping/>
+  </p:clrMapOvr>
+</p:notes>
+</file>
+
+<file path=ppt/notesSlides/notesSlide9.xml><?xml version="1.0" encoding="utf-8"?>
+<p:notes xmlns:a="http://schemas.openxmlformats.org/drawingml/2006/main" xmlns:r="http://schemas.openxmlformats.org/officeDocument/2006/relationships" xmlns:p="http://schemas.openxmlformats.org/presentationml/2006/main">
+  <p:cSld>
+    <p:spTree>
+      <p:nvGrpSpPr>
+        <p:cNvPr id="1" name=""/>
+        <p:cNvGrpSpPr/>
+        <p:nvPr/>
+      </p:nvGrpSpPr>
+      <p:grpSpPr>
+        <a:xfrm>
+          <a:off x="0" y="0"/>
+          <a:ext cx="0" cy="0"/>
+          <a:chOff x="0" y="0"/>
+          <a:chExt cx="0" cy="0"/>
+        </a:xfrm>
+      </p:grpSpPr>
+      <p:sp>
+        <p:nvSpPr>
+          <p:cNvPr id="2" name="スライド イメージ プレースホルダー 1"/>
+          <p:cNvSpPr>
+            <a:spLocks noGrp="1" noRot="1" noChangeAspect="1"/>
+          </p:cNvSpPr>
+          <p:nvPr>
+            <p:ph type="sldImg"/>
+          </p:nvPr>
+        </p:nvSpPr>
+        <p:spPr/>
+      </p:sp>
+      <p:sp>
+        <p:nvSpPr>
+          <p:cNvPr id="3" name="ノート プレースホルダー 2"/>
+          <p:cNvSpPr>
+            <a:spLocks noGrp="1"/>
+          </p:cNvSpPr>
+          <p:nvPr>
+            <p:ph type="body" idx="1"/>
+          </p:nvPr>
+        </p:nvSpPr>
+        <p:spPr/>
+        <p:txBody>
+          <a:bodyPr/>
+          <a:lstStyle/>
+          <a:p>
+            <a:r>
+              <a:rPr kumimoji="1" lang="ja-JP" altLang="ja-JP" sz="1200" kern="1200" dirty="0">
+                <a:solidFill>
+                  <a:schemeClr val="tx1"/>
+                </a:solidFill>
+                <a:effectLst/>
+                <a:latin typeface="+mn-lt"/>
+                <a:ea typeface="+mn-ea"/>
+                <a:cs typeface="+mn-cs"/>
+              </a:rPr>
+              <a:t>続いて、システム開発での苦労した点などについて豊島が発表します。</a:t>
+            </a:r>
+          </a:p>
+          <a:p>
+            <a:r>
+              <a:rPr kumimoji="1" lang="ja-JP" altLang="ja-JP" sz="1200" kern="1200" dirty="0">
+                <a:solidFill>
+                  <a:schemeClr val="tx1"/>
+                </a:solidFill>
+                <a:effectLst/>
+                <a:latin typeface="+mn-lt"/>
+                <a:ea typeface="+mn-ea"/>
+                <a:cs typeface="+mn-cs"/>
+              </a:rPr>
+              <a:t>まず、苦労した点はグラフの実装と健康チェック機能の実装です。データベースに入力値を保存したりデータベースから値を取得したり取得したデータを画面上に反映させたりするなどの機能の実装に苦労しました。</a:t>
+            </a:r>
+          </a:p>
+          <a:p>
+            <a:r>
+              <a:rPr kumimoji="1" lang="ja-JP" altLang="ja-JP" sz="1200" kern="1200" dirty="0">
+                <a:solidFill>
+                  <a:schemeClr val="tx1"/>
+                </a:solidFill>
+                <a:effectLst/>
+                <a:latin typeface="+mn-lt"/>
+                <a:ea typeface="+mn-ea"/>
+                <a:cs typeface="+mn-cs"/>
+              </a:rPr>
+              <a:t>工夫した点は、レイアウトや配色です。見やすく誰でも直感的に使えるようなデザインを目指しました。</a:t>
+            </a:r>
+          </a:p>
+          <a:p>
+            <a:r>
+              <a:rPr kumimoji="1" lang="ja-JP" altLang="ja-JP" sz="1200" kern="1200" dirty="0">
+                <a:solidFill>
+                  <a:schemeClr val="tx1"/>
+                </a:solidFill>
+                <a:effectLst/>
+                <a:latin typeface="+mn-lt"/>
+                <a:ea typeface="+mn-ea"/>
+                <a:cs typeface="+mn-cs"/>
+              </a:rPr>
+              <a:t>反省点は、開発途中でどのように実装したい機能をプログラムで書いたらよいか迷うことがあり、進行に遅れが出そうになったことです。</a:t>
+            </a:r>
+          </a:p>
+          <a:p>
+            <a:endParaRPr kumimoji="1" lang="ja-JP" altLang="en-US" dirty="0"/>
+          </a:p>
+        </p:txBody>
+      </p:sp>
+      <p:sp>
+        <p:nvSpPr>
+          <p:cNvPr id="4" name="スライド番号プレースホルダー 3"/>
+          <p:cNvSpPr>
+            <a:spLocks noGrp="1"/>
+          </p:cNvSpPr>
+          <p:nvPr>
+            <p:ph type="sldNum" sz="quarter" idx="5"/>
+          </p:nvPr>
+        </p:nvSpPr>
+        <p:spPr/>
+        <p:txBody>
+          <a:bodyPr/>
+          <a:lstStyle/>
+          <a:p>
+            <a:fld id="{614725AF-2497-45A1-A451-4D22A5AD5DB3}" type="slidenum">
+              <a:rPr kumimoji="1" lang="ja-JP" altLang="en-US" smtClean="0"/>
+              <a:t>9</a:t>
+            </a:fld>
+            <a:endParaRPr kumimoji="1" lang="ja-JP" altLang="en-US"/>
+          </a:p>
+        </p:txBody>
+      </p:sp>
+    </p:spTree>
+    <p:extLst>
+      <p:ext uri="{BB962C8B-B14F-4D97-AF65-F5344CB8AC3E}">
+        <p14:creationId xmlns:p14="http://schemas.microsoft.com/office/powerpoint/2010/main" val="2987490146"/>
+      </p:ext>
+    </p:extLst>
+  </p:cSld>
+  <p:clrMapOvr>
+    <a:masterClrMapping/>
+  </p:clrMapOvr>
+</p:notes>
 </file>
 
 <file path=ppt/slideLayouts/slideLayout1.xml><?xml version="1.0" encoding="utf-8"?>
@@ -3974,7 +6227,7 @@
           <p:nvPr/>
         </p:nvPicPr>
         <p:blipFill>
-          <a:blip r:embed="rId2">
+          <a:blip r:embed="rId3">
             <a:lum bright="70000" contrast="-70000"/>
             <a:extLst>
               <a:ext uri="{28A0092B-C50C-407E-A947-70E740481C1C}">
@@ -4011,7 +6264,7 @@
           <p:nvPr/>
         </p:nvPicPr>
         <p:blipFill>
-          <a:blip r:embed="rId3">
+          <a:blip r:embed="rId4">
             <a:lum bright="70000" contrast="-70000"/>
             <a:extLst>
               <a:ext uri="{28A0092B-C50C-407E-A947-70E740481C1C}">
@@ -9160,4 +11413,299 @@
     </a:ext>
   </a:extLst>
 </a:theme>
+</file>
+
+<file path=ppt/theme/theme2.xml><?xml version="1.0" encoding="utf-8"?>
+<a:theme xmlns:a="http://schemas.openxmlformats.org/drawingml/2006/main" name="Office テーマ">
+  <a:themeElements>
+    <a:clrScheme name="Office">
+      <a:dk1>
+        <a:sysClr val="windowText" lastClr="000000"/>
+      </a:dk1>
+      <a:lt1>
+        <a:sysClr val="window" lastClr="FFFFFF"/>
+      </a:lt1>
+      <a:dk2>
+        <a:srgbClr val="44546A"/>
+      </a:dk2>
+      <a:lt2>
+        <a:srgbClr val="E7E6E6"/>
+      </a:lt2>
+      <a:accent1>
+        <a:srgbClr val="4472C4"/>
+      </a:accent1>
+      <a:accent2>
+        <a:srgbClr val="ED7D31"/>
+      </a:accent2>
+      <a:accent3>
+        <a:srgbClr val="A5A5A5"/>
+      </a:accent3>
+      <a:accent4>
+        <a:srgbClr val="FFC000"/>
+      </a:accent4>
+      <a:accent5>
+        <a:srgbClr val="5B9BD5"/>
+      </a:accent5>
+      <a:accent6>
+        <a:srgbClr val="70AD47"/>
+      </a:accent6>
+      <a:hlink>
+        <a:srgbClr val="0563C1"/>
+      </a:hlink>
+      <a:folHlink>
+        <a:srgbClr val="954F72"/>
+      </a:folHlink>
+    </a:clrScheme>
+    <a:fontScheme name="Office">
+      <a:majorFont>
+        <a:latin typeface="游ゴシック Light" panose="020F0302020204030204"/>
+        <a:ea typeface=""/>
+        <a:cs typeface=""/>
+        <a:font script="Jpan" typeface="游ゴシック Light"/>
+        <a:font script="Hang" typeface="맑은 고딕"/>
+        <a:font script="Hans" typeface="等线 Light"/>
+        <a:font script="Hant" typeface="新細明體"/>
+        <a:font script="Arab" typeface="Times New Roman"/>
+        <a:font script="Hebr" typeface="Times New Roman"/>
+        <a:font script="Thai" typeface="Angsana New"/>
+        <a:font script="Ethi" typeface="Nyala"/>
+        <a:font script="Beng" typeface="Vrinda"/>
+        <a:font script="Gujr" typeface="Shruti"/>
+        <a:font script="Khmr" typeface="MoolBoran"/>
+        <a:font script="Knda" typeface="Tunga"/>
+        <a:font script="Guru" typeface="Raavi"/>
+        <a:font script="Cans" typeface="Euphemia"/>
+        <a:font script="Cher" typeface="Plantagenet Cherokee"/>
+        <a:font script="Yiii" typeface="Microsoft Yi Baiti"/>
+        <a:font script="Tibt" typeface="Microsoft Himalaya"/>
+        <a:font script="Thaa" typeface="MV Boli"/>
+        <a:font script="Deva" typeface="Mangal"/>
+        <a:font script="Telu" typeface="Gautami"/>
+        <a:font script="Taml" typeface="Latha"/>
+        <a:font script="Syrc" typeface="Estrangelo Edessa"/>
+        <a:font script="Orya" typeface="Kalinga"/>
+        <a:font script="Mlym" typeface="Kartika"/>
+        <a:font script="Laoo" typeface="DokChampa"/>
+        <a:font script="Sinh" typeface="Iskoola Pota"/>
+        <a:font script="Mong" typeface="Mongolian Baiti"/>
+        <a:font script="Viet" typeface="Times New Roman"/>
+        <a:font script="Uigh" typeface="Microsoft Uighur"/>
+        <a:font script="Geor" typeface="Sylfaen"/>
+        <a:font script="Armn" typeface="Arial"/>
+        <a:font script="Bugi" typeface="Leelawadee UI"/>
+        <a:font script="Bopo" typeface="Microsoft JhengHei"/>
+        <a:font script="Java" typeface="Javanese Text"/>
+        <a:font script="Lisu" typeface="Segoe UI"/>
+        <a:font script="Mymr" typeface="Myanmar Text"/>
+        <a:font script="Nkoo" typeface="Ebrima"/>
+        <a:font script="Olck" typeface="Nirmala UI"/>
+        <a:font script="Osma" typeface="Ebrima"/>
+        <a:font script="Phag" typeface="Phagspa"/>
+        <a:font script="Syrn" typeface="Estrangelo Edessa"/>
+        <a:font script="Syrj" typeface="Estrangelo Edessa"/>
+        <a:font script="Syre" typeface="Estrangelo Edessa"/>
+        <a:font script="Sora" typeface="Nirmala UI"/>
+        <a:font script="Tale" typeface="Microsoft Tai Le"/>
+        <a:font script="Talu" typeface="Microsoft New Tai Lue"/>
+        <a:font script="Tfng" typeface="Ebrima"/>
+      </a:majorFont>
+      <a:minorFont>
+        <a:latin typeface="游ゴシック" panose="020F0502020204030204"/>
+        <a:ea typeface=""/>
+        <a:cs typeface=""/>
+        <a:font script="Jpan" typeface="游ゴシック"/>
+        <a:font script="Hang" typeface="맑은 고딕"/>
+        <a:font script="Hans" typeface="等线"/>
+        <a:font script="Hant" typeface="新細明體"/>
+        <a:font script="Arab" typeface="Arial"/>
+        <a:font script="Hebr" typeface="Arial"/>
+        <a:font script="Thai" typeface="Cordia New"/>
+        <a:font script="Ethi" typeface="Nyala"/>
+        <a:font script="Beng" typeface="Vrinda"/>
+        <a:font script="Gujr" typeface="Shruti"/>
+        <a:font script="Khmr" typeface="DaunPenh"/>
+        <a:font script="Knda" typeface="Tunga"/>
+        <a:font script="Guru" typeface="Raavi"/>
+        <a:font script="Cans" typeface="Euphemia"/>
+        <a:font script="Cher" typeface="Plantagenet Cherokee"/>
+        <a:font script="Yiii" typeface="Microsoft Yi Baiti"/>
+        <a:font script="Tibt" typeface="Microsoft Himalaya"/>
+        <a:font script="Thaa" typeface="MV Boli"/>
+        <a:font script="Deva" typeface="Mangal"/>
+        <a:font script="Telu" typeface="Gautami"/>
+        <a:font script="Taml" typeface="Latha"/>
+        <a:font script="Syrc" typeface="Estrangelo Edessa"/>
+        <a:font script="Orya" typeface="Kalinga"/>
+        <a:font script="Mlym" typeface="Kartika"/>
+        <a:font script="Laoo" typeface="DokChampa"/>
+        <a:font script="Sinh" typeface="Iskoola Pota"/>
+        <a:font script="Mong" typeface="Mongolian Baiti"/>
+        <a:font script="Viet" typeface="Arial"/>
+        <a:font script="Uigh" typeface="Microsoft Uighur"/>
+        <a:font script="Geor" typeface="Sylfaen"/>
+        <a:font script="Armn" typeface="Arial"/>
+        <a:font script="Bugi" typeface="Leelawadee UI"/>
+        <a:font script="Bopo" typeface="Microsoft JhengHei"/>
+        <a:font script="Java" typeface="Javanese Text"/>
+        <a:font script="Lisu" typeface="Segoe UI"/>
+        <a:font script="Mymr" typeface="Myanmar Text"/>
+        <a:font script="Nkoo" typeface="Ebrima"/>
+        <a:font script="Olck" typeface="Nirmala UI"/>
+        <a:font script="Osma" typeface="Ebrima"/>
+        <a:font script="Phag" typeface="Phagspa"/>
+        <a:font script="Syrn" typeface="Estrangelo Edessa"/>
+        <a:font script="Syrj" typeface="Estrangelo Edessa"/>
+        <a:font script="Syre" typeface="Estrangelo Edessa"/>
+        <a:font script="Sora" typeface="Nirmala UI"/>
+        <a:font script="Tale" typeface="Microsoft Tai Le"/>
+        <a:font script="Talu" typeface="Microsoft New Tai Lue"/>
+        <a:font script="Tfng" typeface="Ebrima"/>
+      </a:minorFont>
+    </a:fontScheme>
+    <a:fmtScheme name="Office">
+      <a:fillStyleLst>
+        <a:solidFill>
+          <a:schemeClr val="phClr"/>
+        </a:solidFill>
+        <a:gradFill rotWithShape="1">
+          <a:gsLst>
+            <a:gs pos="0">
+              <a:schemeClr val="phClr">
+                <a:lumMod val="110000"/>
+                <a:satMod val="105000"/>
+                <a:tint val="67000"/>
+              </a:schemeClr>
+            </a:gs>
+            <a:gs pos="50000">
+              <a:schemeClr val="phClr">
+                <a:lumMod val="105000"/>
+                <a:satMod val="103000"/>
+                <a:tint val="73000"/>
+              </a:schemeClr>
+            </a:gs>
+            <a:gs pos="100000">
+              <a:schemeClr val="phClr">
+                <a:lumMod val="105000"/>
+                <a:satMod val="109000"/>
+                <a:tint val="81000"/>
+              </a:schemeClr>
+            </a:gs>
+          </a:gsLst>
+          <a:lin ang="5400000" scaled="0"/>
+        </a:gradFill>
+        <a:gradFill rotWithShape="1">
+          <a:gsLst>
+            <a:gs pos="0">
+              <a:schemeClr val="phClr">
+                <a:satMod val="103000"/>
+                <a:lumMod val="102000"/>
+                <a:tint val="94000"/>
+              </a:schemeClr>
+            </a:gs>
+            <a:gs pos="50000">
+              <a:schemeClr val="phClr">
+                <a:satMod val="110000"/>
+                <a:lumMod val="100000"/>
+                <a:shade val="100000"/>
+              </a:schemeClr>
+            </a:gs>
+            <a:gs pos="100000">
+              <a:schemeClr val="phClr">
+                <a:lumMod val="99000"/>
+                <a:satMod val="120000"/>
+                <a:shade val="78000"/>
+              </a:schemeClr>
+            </a:gs>
+          </a:gsLst>
+          <a:lin ang="5400000" scaled="0"/>
+        </a:gradFill>
+      </a:fillStyleLst>
+      <a:lnStyleLst>
+        <a:ln w="6350" cap="flat" cmpd="sng" algn="ctr">
+          <a:solidFill>
+            <a:schemeClr val="phClr"/>
+          </a:solidFill>
+          <a:prstDash val="solid"/>
+          <a:miter lim="800000"/>
+        </a:ln>
+        <a:ln w="12700" cap="flat" cmpd="sng" algn="ctr">
+          <a:solidFill>
+            <a:schemeClr val="phClr"/>
+          </a:solidFill>
+          <a:prstDash val="solid"/>
+          <a:miter lim="800000"/>
+        </a:ln>
+        <a:ln w="19050" cap="flat" cmpd="sng" algn="ctr">
+          <a:solidFill>
+            <a:schemeClr val="phClr"/>
+          </a:solidFill>
+          <a:prstDash val="solid"/>
+          <a:miter lim="800000"/>
+        </a:ln>
+      </a:lnStyleLst>
+      <a:effectStyleLst>
+        <a:effectStyle>
+          <a:effectLst/>
+        </a:effectStyle>
+        <a:effectStyle>
+          <a:effectLst/>
+        </a:effectStyle>
+        <a:effectStyle>
+          <a:effectLst>
+            <a:outerShdw blurRad="57150" dist="19050" dir="5400000" algn="ctr" rotWithShape="0">
+              <a:srgbClr val="000000">
+                <a:alpha val="63000"/>
+              </a:srgbClr>
+            </a:outerShdw>
+          </a:effectLst>
+        </a:effectStyle>
+      </a:effectStyleLst>
+      <a:bgFillStyleLst>
+        <a:solidFill>
+          <a:schemeClr val="phClr"/>
+        </a:solidFill>
+        <a:solidFill>
+          <a:schemeClr val="phClr">
+            <a:tint val="95000"/>
+            <a:satMod val="170000"/>
+          </a:schemeClr>
+        </a:solidFill>
+        <a:gradFill rotWithShape="1">
+          <a:gsLst>
+            <a:gs pos="0">
+              <a:schemeClr val="phClr">
+                <a:tint val="93000"/>
+                <a:satMod val="150000"/>
+                <a:shade val="98000"/>
+                <a:lumMod val="102000"/>
+              </a:schemeClr>
+            </a:gs>
+            <a:gs pos="50000">
+              <a:schemeClr val="phClr">
+                <a:tint val="98000"/>
+                <a:satMod val="130000"/>
+                <a:shade val="90000"/>
+                <a:lumMod val="103000"/>
+              </a:schemeClr>
+            </a:gs>
+            <a:gs pos="100000">
+              <a:schemeClr val="phClr">
+                <a:shade val="63000"/>
+                <a:satMod val="120000"/>
+              </a:schemeClr>
+            </a:gs>
+          </a:gsLst>
+          <a:lin ang="5400000" scaled="0"/>
+        </a:gradFill>
+      </a:bgFillStyleLst>
+    </a:fmtScheme>
+  </a:themeElements>
+  <a:objectDefaults/>
+  <a:extraClrSchemeLst/>
+  <a:extLst>
+    <a:ext uri="{05A4C25C-085E-4340-85A3-A5531E510DB2}">
+      <thm15:themeFamily xmlns:thm15="http://schemas.microsoft.com/office/thememl/2012/main" name="Office Theme" id="{62F939B6-93AF-4DB8-9C6B-D6C7DFDC589F}" vid="{4A3C46E8-61CC-4603-A589-7422A47A8E4A}"/>
+    </a:ext>
+  </a:extLst>
+</a:theme>
 </file>
--- a/発表資料/発表資料.pptx
+++ b/発表資料/発表資料.pptx
@@ -729,8 +729,29 @@
                 <a:ea typeface="+mn-ea"/>
                 <a:cs typeface="+mn-cs"/>
               </a:rPr>
-              <a:t>反省点は、登録情報変更のテスト中に入力チェックやアラートのバグが見つかり、開発の段階での詰めが甘かったと感じました。</a:t>
-            </a:r>
+              <a:t>反省点は、登録情報変更のテスト中に入力チェックやアラートのバグが見つかり</a:t>
+            </a:r>
+            <a:r>
+              <a:rPr kumimoji="1" lang="ja-JP" altLang="en-US" sz="1200" kern="1200" dirty="0">
+                <a:solidFill>
+                  <a:schemeClr val="tx1"/>
+                </a:solidFill>
+                <a:effectLst/>
+                <a:latin typeface="+mn-lt"/>
+                <a:ea typeface="+mn-ea"/>
+                <a:cs typeface="+mn-cs"/>
+              </a:rPr>
+              <a:t>、開発の段階でもう少し細かくチェックしておけばよかったと感じました。</a:t>
+            </a:r>
+            <a:endParaRPr kumimoji="1" lang="ja-JP" altLang="ja-JP" sz="1200" kern="1200" dirty="0">
+              <a:solidFill>
+                <a:schemeClr val="tx1"/>
+              </a:solidFill>
+              <a:effectLst/>
+              <a:latin typeface="+mn-lt"/>
+              <a:ea typeface="+mn-ea"/>
+              <a:cs typeface="+mn-cs"/>
+            </a:endParaRPr>
           </a:p>
           <a:p>
             <a:endParaRPr kumimoji="1" lang="ja-JP" altLang="en-US" dirty="0"/>
@@ -1819,7 +1840,31 @@
                 <a:ea typeface="+mn-ea"/>
                 <a:cs typeface="+mn-cs"/>
               </a:rPr>
-              <a:t>まず、要件定義書の作成を行いました。</a:t>
+              <a:t>まず、</a:t>
+            </a:r>
+            <a:r>
+              <a:rPr kumimoji="1" lang="ja-JP" altLang="en-US" sz="1200" kern="1200" dirty="0">
+                <a:solidFill>
+                  <a:schemeClr val="tx1"/>
+                </a:solidFill>
+                <a:effectLst/>
+                <a:latin typeface="+mn-lt"/>
+                <a:ea typeface="+mn-ea"/>
+                <a:cs typeface="+mn-cs"/>
+              </a:rPr>
+              <a:t>どんなアプリケーションを作るのかをまとまた</a:t>
+            </a:r>
+            <a:r>
+              <a:rPr kumimoji="1" lang="ja-JP" altLang="ja-JP" sz="1200" kern="1200" dirty="0">
+                <a:solidFill>
+                  <a:schemeClr val="tx1"/>
+                </a:solidFill>
+                <a:effectLst/>
+                <a:latin typeface="+mn-lt"/>
+                <a:ea typeface="+mn-ea"/>
+                <a:cs typeface="+mn-cs"/>
+              </a:rPr>
+              <a:t>要件定義書の作成を行いました。</a:t>
             </a:r>
             <a:endParaRPr kumimoji="1" lang="en-US" altLang="ja-JP" sz="1200" kern="1200" dirty="0">
               <a:solidFill>
@@ -2028,7 +2073,111 @@
                 <a:ea typeface="+mn-ea"/>
                 <a:cs typeface="+mn-cs"/>
               </a:rPr>
-              <a:t>日前倒しとなりました。そのほかの工程ではほぼ予定通りに進めることができました。</a:t>
+              <a:t>日前倒しとなりました。</a:t>
+            </a:r>
+            <a:endParaRPr kumimoji="1" lang="en-US" altLang="ja-JP" sz="1200" kern="1200" dirty="0">
+              <a:solidFill>
+                <a:schemeClr val="tx1"/>
+              </a:solidFill>
+              <a:effectLst/>
+              <a:latin typeface="+mn-lt"/>
+              <a:ea typeface="+mn-ea"/>
+              <a:cs typeface="+mn-cs"/>
+            </a:endParaRPr>
+          </a:p>
+          <a:p>
+            <a:pPr marL="0" marR="0" lvl="0" indent="0" algn="l" defTabSz="914400" rtl="0" eaLnBrk="1" fontAlgn="auto" latinLnBrk="0" hangingPunct="1">
+              <a:lnSpc>
+                <a:spcPct val="100000"/>
+              </a:lnSpc>
+              <a:spcBef>
+                <a:spcPts val="0"/>
+              </a:spcBef>
+              <a:spcAft>
+                <a:spcPts val="0"/>
+              </a:spcAft>
+              <a:buClrTx/>
+              <a:buSzTx/>
+              <a:buFontTx/>
+              <a:buNone/>
+              <a:tabLst/>
+              <a:defRPr/>
+            </a:pPr>
+            <a:r>
+              <a:rPr kumimoji="1" lang="ja-JP" altLang="en-US" sz="1200" kern="1200" dirty="0">
+                <a:solidFill>
+                  <a:schemeClr val="tx1"/>
+                </a:solidFill>
+                <a:effectLst/>
+                <a:latin typeface="+mn-lt"/>
+                <a:ea typeface="+mn-ea"/>
+                <a:cs typeface="+mn-cs"/>
+              </a:rPr>
+              <a:t>製造では、作業工程表通りにいかないこともありましたが、予定通り開発することができました。</a:t>
+            </a:r>
+            <a:endParaRPr kumimoji="1" lang="en-US" altLang="ja-JP" sz="1200" kern="1200" dirty="0">
+              <a:solidFill>
+                <a:schemeClr val="tx1"/>
+              </a:solidFill>
+              <a:effectLst/>
+              <a:latin typeface="+mn-lt"/>
+              <a:ea typeface="+mn-ea"/>
+              <a:cs typeface="+mn-cs"/>
+            </a:endParaRPr>
+          </a:p>
+          <a:p>
+            <a:pPr marL="0" marR="0" lvl="0" indent="0" algn="l" defTabSz="914400" rtl="0" eaLnBrk="1" fontAlgn="auto" latinLnBrk="0" hangingPunct="1">
+              <a:lnSpc>
+                <a:spcPct val="100000"/>
+              </a:lnSpc>
+              <a:spcBef>
+                <a:spcPts val="0"/>
+              </a:spcBef>
+              <a:spcAft>
+                <a:spcPts val="0"/>
+              </a:spcAft>
+              <a:buClrTx/>
+              <a:buSzTx/>
+              <a:buFontTx/>
+              <a:buNone/>
+              <a:tabLst/>
+              <a:defRPr/>
+            </a:pPr>
+            <a:r>
+              <a:rPr kumimoji="1" lang="ja-JP" altLang="en-US" sz="1200" kern="1200" dirty="0">
+                <a:solidFill>
+                  <a:schemeClr val="tx1"/>
+                </a:solidFill>
+                <a:effectLst/>
+                <a:latin typeface="+mn-lt"/>
+                <a:ea typeface="+mn-ea"/>
+                <a:cs typeface="+mn-cs"/>
+              </a:rPr>
+              <a:t>テストやバグ修正、発表準備</a:t>
+            </a:r>
+            <a:r>
+              <a:rPr kumimoji="1" lang="ja-JP" altLang="ja-JP" sz="1200" kern="1200">
+                <a:solidFill>
+                  <a:schemeClr val="tx1"/>
+                </a:solidFill>
+                <a:effectLst/>
+                <a:latin typeface="+mn-lt"/>
+                <a:ea typeface="+mn-ea"/>
+                <a:cs typeface="+mn-cs"/>
+              </a:rPr>
+              <a:t>では予定</a:t>
+            </a:r>
+            <a:r>
+              <a:rPr kumimoji="1" lang="ja-JP" altLang="ja-JP" sz="1200" kern="1200" dirty="0">
+                <a:solidFill>
+                  <a:schemeClr val="tx1"/>
+                </a:solidFill>
+                <a:effectLst/>
+                <a:latin typeface="+mn-lt"/>
+                <a:ea typeface="+mn-ea"/>
+                <a:cs typeface="+mn-cs"/>
+              </a:rPr>
+              <a:t>通りに進めることができました。</a:t>
             </a:r>
           </a:p>
           <a:p>
@@ -2332,7 +2481,31 @@
                 <a:ea typeface="+mn-ea"/>
                 <a:cs typeface="+mn-cs"/>
               </a:rPr>
-              <a:t>反省点は、開発途中でどのように実装したい機能をプログラムで書いたらよいか迷うことがあり、進行に遅れが出そうになったことです。</a:t>
+              <a:t>反省点は、開発途中でどのように実装したい機能をプログラムで書いたらよいか</a:t>
+            </a:r>
+            <a:r>
+              <a:rPr kumimoji="1" lang="ja-JP" altLang="en-US" sz="1200" kern="1200" dirty="0">
+                <a:solidFill>
+                  <a:schemeClr val="tx1"/>
+                </a:solidFill>
+                <a:effectLst/>
+                <a:latin typeface="+mn-lt"/>
+                <a:ea typeface="+mn-ea"/>
+                <a:cs typeface="+mn-cs"/>
+              </a:rPr>
+              <a:t>悩む</a:t>
+            </a:r>
+            <a:r>
+              <a:rPr kumimoji="1" lang="ja-JP" altLang="ja-JP" sz="1200" kern="1200" dirty="0">
+                <a:solidFill>
+                  <a:schemeClr val="tx1"/>
+                </a:solidFill>
+                <a:effectLst/>
+                <a:latin typeface="+mn-lt"/>
+                <a:ea typeface="+mn-ea"/>
+                <a:cs typeface="+mn-cs"/>
+              </a:rPr>
+              <a:t>ことがあり、進行に遅れが出そうになったことです。</a:t>
             </a:r>
           </a:p>
           <a:p>
@@ -6554,7 +6727,7 @@
                 </a:solidFill>
                 <a:latin typeface="+mn-ea"/>
               </a:rPr>
-              <a:t>　テスト中にバグが見つかり、詰めが甘かったと感じた</a:t>
+              <a:t>　テスト中にバグが見つかり、後から修正した点</a:t>
             </a:r>
           </a:p>
           <a:p>
@@ -6884,7 +7057,7 @@
                 </a:solidFill>
                 <a:latin typeface="+mn-ea"/>
               </a:rPr>
-              <a:t>楽しく開発しながらプログラミングの知識も身につけることができた</a:t>
+              <a:t>楽しく開発しながらプログラミングの知識も身につき、</a:t>
             </a:r>
             <a:endParaRPr kumimoji="1" lang="en-US" altLang="ja-JP" sz="2000" dirty="0">
               <a:solidFill>
@@ -6900,6 +7073,10 @@
             <a:pPr marL="0" indent="0" algn="ctr">
               <a:buNone/>
             </a:pPr>
+            <a:r>
+              <a:rPr lang="ja-JP" altLang="ja-JP" sz="2000" dirty="0"/>
+              <a:t>チームで開発することの楽しさも学ぶことができた</a:t>
+            </a:r>
             <a:r>
               <a:rPr kumimoji="1" lang="ja-JP" altLang="en-US" sz="2000" dirty="0">
                 <a:solidFill>
